--- a/Jour2/10 $resource/10_$ressource.pptx
+++ b/Jour2/10 $resource/10_$ressource.pptx
@@ -5,14 +5,21 @@
     <p:sldMasterId id="2147483648" r:id="rId1"/>
   </p:sldMasterIdLst>
   <p:notesMasterIdLst>
-    <p:notesMasterId r:id="rId4"/>
+    <p:notesMasterId r:id="rId11"/>
   </p:notesMasterIdLst>
   <p:handoutMasterIdLst>
-    <p:handoutMasterId r:id="rId5"/>
+    <p:handoutMasterId r:id="rId12"/>
   </p:handoutMasterIdLst>
   <p:sldIdLst>
-    <p:sldId id="407" r:id="rId2"/>
-    <p:sldId id="406" r:id="rId3"/>
+    <p:sldId id="410" r:id="rId2"/>
+    <p:sldId id="407" r:id="rId3"/>
+    <p:sldId id="406" r:id="rId4"/>
+    <p:sldId id="408" r:id="rId5"/>
+    <p:sldId id="409" r:id="rId6"/>
+    <p:sldId id="411" r:id="rId7"/>
+    <p:sldId id="412" r:id="rId8"/>
+    <p:sldId id="413" r:id="rId9"/>
+    <p:sldId id="414" r:id="rId10"/>
   </p:sldIdLst>
   <p:sldSz cx="9144000" cy="6858000" type="screen4x3"/>
   <p:notesSz cx="7104063" cy="10234613"/>
@@ -283,7 +290,7 @@
             <a:fld id="{87731427-D242-475D-9180-8940013A50B8}" type="datetimeFigureOut">
               <a:rPr lang="en-GB" smtClean="0"/>
               <a:pPr algn="l"/>
-              <a:t>15/11/2016</a:t>
+              <a:t>18/11/2016</a:t>
             </a:fld>
             <a:endParaRPr lang="en-GB" dirty="0"/>
           </a:p>
@@ -488,7 +495,7 @@
             <a:fld id="{BA521D56-F1F4-41A0-82EB-989F4F6F400D}" type="datetimeFigureOut">
               <a:rPr lang="fr-FR" smtClean="0"/>
               <a:pPr/>
-              <a:t>15/11/2016</a:t>
+              <a:t>18/11/2016</a:t>
             </a:fld>
             <a:endParaRPr lang="fr-FR"/>
           </a:p>
@@ -992,7 +999,7 @@
             <a:fld id="{305287CA-3E72-4A91-B59B-B69F40801570}" type="slidenum">
               <a:rPr lang="en-GB" sz="1100" smtClean="0"/>
               <a:pPr/>
-              <a:t>1</a:t>
+              <a:t>2</a:t>
             </a:fld>
             <a:endParaRPr lang="en-GB" sz="1100" dirty="0"/>
           </a:p>
@@ -1016,7 +1023,7 @@
             <a:fld id="{973B10A7-8A2B-4F39-8160-83B51E5E9C07}" type="datetime1">
               <a:rPr lang="fr-FR" smtClean="0"/>
               <a:pPr/>
-              <a:t>16/11/2016</a:t>
+              <a:t>18/11/2016</a:t>
             </a:fld>
             <a:endParaRPr lang="fr-FR"/>
           </a:p>
@@ -1128,7 +1135,7 @@
             <a:fld id="{305287CA-3E72-4A91-B59B-B69F40801570}" type="slidenum">
               <a:rPr lang="en-GB" sz="1100" smtClean="0"/>
               <a:pPr/>
-              <a:t>2</a:t>
+              <a:t>3</a:t>
             </a:fld>
             <a:endParaRPr lang="en-GB" sz="1100" dirty="0"/>
           </a:p>
@@ -1152,7 +1159,7 @@
             <a:fld id="{973B10A7-8A2B-4F39-8160-83B51E5E9C07}" type="datetime1">
               <a:rPr lang="fr-FR" smtClean="0"/>
               <a:pPr/>
-              <a:t>15/11/2016</a:t>
+              <a:t>18/11/2016</a:t>
             </a:fld>
             <a:endParaRPr lang="fr-FR"/>
           </a:p>
@@ -1162,6 +1169,822 @@
     <p:extLst>
       <p:ext uri="{BB962C8B-B14F-4D97-AF65-F5344CB8AC3E}">
         <p14:creationId xmlns:p14="http://schemas.microsoft.com/office/powerpoint/2010/main" val="185757619"/>
+      </p:ext>
+    </p:extLst>
+  </p:cSld>
+  <p:clrMapOvr>
+    <a:masterClrMapping/>
+  </p:clrMapOvr>
+</p:notes>
+</file>
+
+<file path=ppt/notesSlides/notesSlide3.xml><?xml version="1.0" encoding="utf-8"?>
+<p:notes xmlns:a="http://schemas.openxmlformats.org/drawingml/2006/main" xmlns:r="http://schemas.openxmlformats.org/officeDocument/2006/relationships" xmlns:p="http://schemas.openxmlformats.org/presentationml/2006/main">
+  <p:cSld>
+    <p:spTree>
+      <p:nvGrpSpPr>
+        <p:cNvPr id="1" name=""/>
+        <p:cNvGrpSpPr/>
+        <p:nvPr/>
+      </p:nvGrpSpPr>
+      <p:grpSpPr>
+        <a:xfrm>
+          <a:off x="0" y="0"/>
+          <a:ext cx="0" cy="0"/>
+          <a:chOff x="0" y="0"/>
+          <a:chExt cx="0" cy="0"/>
+        </a:xfrm>
+      </p:grpSpPr>
+      <p:sp>
+        <p:nvSpPr>
+          <p:cNvPr id="10" name="Espace réservé de l'image des diapositives 9"/>
+          <p:cNvSpPr>
+            <a:spLocks noGrp="1" noRot="1" noChangeAspect="1"/>
+          </p:cNvSpPr>
+          <p:nvPr>
+            <p:ph type="sldImg"/>
+          </p:nvPr>
+        </p:nvSpPr>
+        <p:spPr/>
+      </p:sp>
+      <p:sp>
+        <p:nvSpPr>
+          <p:cNvPr id="11" name="Espace réservé des commentaires 10"/>
+          <p:cNvSpPr>
+            <a:spLocks noGrp="1"/>
+          </p:cNvSpPr>
+          <p:nvPr>
+            <p:ph type="body" idx="1"/>
+          </p:nvPr>
+        </p:nvSpPr>
+        <p:spPr/>
+        <p:txBody>
+          <a:bodyPr/>
+          <a:lstStyle/>
+          <a:p>
+            <a:endParaRPr lang="fr-FR"/>
+          </a:p>
+        </p:txBody>
+      </p:sp>
+      <p:sp>
+        <p:nvSpPr>
+          <p:cNvPr id="14" name="Espace réservé du pied de page 13"/>
+          <p:cNvSpPr>
+            <a:spLocks noGrp="1"/>
+          </p:cNvSpPr>
+          <p:nvPr>
+            <p:ph type="ftr" sz="quarter" idx="12"/>
+          </p:nvPr>
+        </p:nvSpPr>
+        <p:spPr/>
+        <p:txBody>
+          <a:bodyPr/>
+          <a:lstStyle/>
+          <a:p>
+            <a:r>
+              <a:rPr lang="en-GB" sz="1100" dirty="0"/>
+              <a:t>Titre de la </a:t>
+            </a:r>
+            <a:r>
+              <a:rPr lang="en-GB" sz="1100" dirty="0" err="1"/>
+              <a:t>présentation</a:t>
+            </a:r>
+            <a:endParaRPr lang="en-GB" sz="1100" dirty="0"/>
+          </a:p>
+        </p:txBody>
+      </p:sp>
+      <p:sp>
+        <p:nvSpPr>
+          <p:cNvPr id="15" name="Espace réservé du numéro de diapositive 14"/>
+          <p:cNvSpPr>
+            <a:spLocks noGrp="1"/>
+          </p:cNvSpPr>
+          <p:nvPr>
+            <p:ph type="sldNum" sz="quarter" idx="13"/>
+          </p:nvPr>
+        </p:nvSpPr>
+        <p:spPr/>
+        <p:txBody>
+          <a:bodyPr/>
+          <a:lstStyle/>
+          <a:p>
+            <a:fld id="{305287CA-3E72-4A91-B59B-B69F40801570}" type="slidenum">
+              <a:rPr lang="en-GB" sz="1100" smtClean="0"/>
+              <a:pPr/>
+              <a:t>4</a:t>
+            </a:fld>
+            <a:endParaRPr lang="en-GB" sz="1100" dirty="0"/>
+          </a:p>
+        </p:txBody>
+      </p:sp>
+      <p:sp>
+        <p:nvSpPr>
+          <p:cNvPr id="2" name="Espace réservé de la date 1"/>
+          <p:cNvSpPr>
+            <a:spLocks noGrp="1"/>
+          </p:cNvSpPr>
+          <p:nvPr>
+            <p:ph type="dt" idx="14"/>
+          </p:nvPr>
+        </p:nvSpPr>
+        <p:spPr/>
+        <p:txBody>
+          <a:bodyPr/>
+          <a:lstStyle/>
+          <a:p>
+            <a:fld id="{973B10A7-8A2B-4F39-8160-83B51E5E9C07}" type="datetime1">
+              <a:rPr lang="fr-FR" smtClean="0"/>
+              <a:pPr/>
+              <a:t>18/11/2016</a:t>
+            </a:fld>
+            <a:endParaRPr lang="fr-FR"/>
+          </a:p>
+        </p:txBody>
+      </p:sp>
+    </p:spTree>
+    <p:extLst>
+      <p:ext uri="{BB962C8B-B14F-4D97-AF65-F5344CB8AC3E}">
+        <p14:creationId xmlns:p14="http://schemas.microsoft.com/office/powerpoint/2010/main" val="3476903848"/>
+      </p:ext>
+    </p:extLst>
+  </p:cSld>
+  <p:clrMapOvr>
+    <a:masterClrMapping/>
+  </p:clrMapOvr>
+</p:notes>
+</file>
+
+<file path=ppt/notesSlides/notesSlide4.xml><?xml version="1.0" encoding="utf-8"?>
+<p:notes xmlns:a="http://schemas.openxmlformats.org/drawingml/2006/main" xmlns:r="http://schemas.openxmlformats.org/officeDocument/2006/relationships" xmlns:p="http://schemas.openxmlformats.org/presentationml/2006/main">
+  <p:cSld>
+    <p:spTree>
+      <p:nvGrpSpPr>
+        <p:cNvPr id="1" name=""/>
+        <p:cNvGrpSpPr/>
+        <p:nvPr/>
+      </p:nvGrpSpPr>
+      <p:grpSpPr>
+        <a:xfrm>
+          <a:off x="0" y="0"/>
+          <a:ext cx="0" cy="0"/>
+          <a:chOff x="0" y="0"/>
+          <a:chExt cx="0" cy="0"/>
+        </a:xfrm>
+      </p:grpSpPr>
+      <p:sp>
+        <p:nvSpPr>
+          <p:cNvPr id="10" name="Espace réservé de l'image des diapositives 9"/>
+          <p:cNvSpPr>
+            <a:spLocks noGrp="1" noRot="1" noChangeAspect="1"/>
+          </p:cNvSpPr>
+          <p:nvPr>
+            <p:ph type="sldImg"/>
+          </p:nvPr>
+        </p:nvSpPr>
+        <p:spPr/>
+      </p:sp>
+      <p:sp>
+        <p:nvSpPr>
+          <p:cNvPr id="11" name="Espace réservé des commentaires 10"/>
+          <p:cNvSpPr>
+            <a:spLocks noGrp="1"/>
+          </p:cNvSpPr>
+          <p:nvPr>
+            <p:ph type="body" idx="1"/>
+          </p:nvPr>
+        </p:nvSpPr>
+        <p:spPr/>
+        <p:txBody>
+          <a:bodyPr/>
+          <a:lstStyle/>
+          <a:p>
+            <a:endParaRPr lang="fr-FR"/>
+          </a:p>
+        </p:txBody>
+      </p:sp>
+      <p:sp>
+        <p:nvSpPr>
+          <p:cNvPr id="14" name="Espace réservé du pied de page 13"/>
+          <p:cNvSpPr>
+            <a:spLocks noGrp="1"/>
+          </p:cNvSpPr>
+          <p:nvPr>
+            <p:ph type="ftr" sz="quarter" idx="12"/>
+          </p:nvPr>
+        </p:nvSpPr>
+        <p:spPr/>
+        <p:txBody>
+          <a:bodyPr/>
+          <a:lstStyle/>
+          <a:p>
+            <a:r>
+              <a:rPr lang="en-GB" sz="1100" dirty="0"/>
+              <a:t>Titre de la </a:t>
+            </a:r>
+            <a:r>
+              <a:rPr lang="en-GB" sz="1100" dirty="0" err="1"/>
+              <a:t>présentation</a:t>
+            </a:r>
+            <a:endParaRPr lang="en-GB" sz="1100" dirty="0"/>
+          </a:p>
+        </p:txBody>
+      </p:sp>
+      <p:sp>
+        <p:nvSpPr>
+          <p:cNvPr id="15" name="Espace réservé du numéro de diapositive 14"/>
+          <p:cNvSpPr>
+            <a:spLocks noGrp="1"/>
+          </p:cNvSpPr>
+          <p:nvPr>
+            <p:ph type="sldNum" sz="quarter" idx="13"/>
+          </p:nvPr>
+        </p:nvSpPr>
+        <p:spPr/>
+        <p:txBody>
+          <a:bodyPr/>
+          <a:lstStyle/>
+          <a:p>
+            <a:fld id="{305287CA-3E72-4A91-B59B-B69F40801570}" type="slidenum">
+              <a:rPr lang="en-GB" sz="1100" smtClean="0"/>
+              <a:pPr/>
+              <a:t>5</a:t>
+            </a:fld>
+            <a:endParaRPr lang="en-GB" sz="1100" dirty="0"/>
+          </a:p>
+        </p:txBody>
+      </p:sp>
+      <p:sp>
+        <p:nvSpPr>
+          <p:cNvPr id="2" name="Espace réservé de la date 1"/>
+          <p:cNvSpPr>
+            <a:spLocks noGrp="1"/>
+          </p:cNvSpPr>
+          <p:nvPr>
+            <p:ph type="dt" idx="14"/>
+          </p:nvPr>
+        </p:nvSpPr>
+        <p:spPr/>
+        <p:txBody>
+          <a:bodyPr/>
+          <a:lstStyle/>
+          <a:p>
+            <a:fld id="{973B10A7-8A2B-4F39-8160-83B51E5E9C07}" type="datetime1">
+              <a:rPr lang="fr-FR" smtClean="0"/>
+              <a:pPr/>
+              <a:t>18/11/2016</a:t>
+            </a:fld>
+            <a:endParaRPr lang="fr-FR"/>
+          </a:p>
+        </p:txBody>
+      </p:sp>
+    </p:spTree>
+    <p:extLst>
+      <p:ext uri="{BB962C8B-B14F-4D97-AF65-F5344CB8AC3E}">
+        <p14:creationId xmlns:p14="http://schemas.microsoft.com/office/powerpoint/2010/main" val="2481685808"/>
+      </p:ext>
+    </p:extLst>
+  </p:cSld>
+  <p:clrMapOvr>
+    <a:masterClrMapping/>
+  </p:clrMapOvr>
+</p:notes>
+</file>
+
+<file path=ppt/notesSlides/notesSlide5.xml><?xml version="1.0" encoding="utf-8"?>
+<p:notes xmlns:a="http://schemas.openxmlformats.org/drawingml/2006/main" xmlns:r="http://schemas.openxmlformats.org/officeDocument/2006/relationships" xmlns:p="http://schemas.openxmlformats.org/presentationml/2006/main">
+  <p:cSld>
+    <p:spTree>
+      <p:nvGrpSpPr>
+        <p:cNvPr id="1" name=""/>
+        <p:cNvGrpSpPr/>
+        <p:nvPr/>
+      </p:nvGrpSpPr>
+      <p:grpSpPr>
+        <a:xfrm>
+          <a:off x="0" y="0"/>
+          <a:ext cx="0" cy="0"/>
+          <a:chOff x="0" y="0"/>
+          <a:chExt cx="0" cy="0"/>
+        </a:xfrm>
+      </p:grpSpPr>
+      <p:sp>
+        <p:nvSpPr>
+          <p:cNvPr id="10" name="Espace réservé de l'image des diapositives 9"/>
+          <p:cNvSpPr>
+            <a:spLocks noGrp="1" noRot="1" noChangeAspect="1"/>
+          </p:cNvSpPr>
+          <p:nvPr>
+            <p:ph type="sldImg"/>
+          </p:nvPr>
+        </p:nvSpPr>
+        <p:spPr/>
+      </p:sp>
+      <p:sp>
+        <p:nvSpPr>
+          <p:cNvPr id="11" name="Espace réservé des commentaires 10"/>
+          <p:cNvSpPr>
+            <a:spLocks noGrp="1"/>
+          </p:cNvSpPr>
+          <p:nvPr>
+            <p:ph type="body" idx="1"/>
+          </p:nvPr>
+        </p:nvSpPr>
+        <p:spPr/>
+        <p:txBody>
+          <a:bodyPr/>
+          <a:lstStyle/>
+          <a:p>
+            <a:endParaRPr lang="fr-FR"/>
+          </a:p>
+        </p:txBody>
+      </p:sp>
+      <p:sp>
+        <p:nvSpPr>
+          <p:cNvPr id="14" name="Espace réservé du pied de page 13"/>
+          <p:cNvSpPr>
+            <a:spLocks noGrp="1"/>
+          </p:cNvSpPr>
+          <p:nvPr>
+            <p:ph type="ftr" sz="quarter" idx="12"/>
+          </p:nvPr>
+        </p:nvSpPr>
+        <p:spPr/>
+        <p:txBody>
+          <a:bodyPr/>
+          <a:lstStyle/>
+          <a:p>
+            <a:r>
+              <a:rPr lang="en-GB" sz="1100" dirty="0"/>
+              <a:t>Titre de la </a:t>
+            </a:r>
+            <a:r>
+              <a:rPr lang="en-GB" sz="1100" dirty="0" err="1"/>
+              <a:t>présentation</a:t>
+            </a:r>
+            <a:endParaRPr lang="en-GB" sz="1100" dirty="0"/>
+          </a:p>
+        </p:txBody>
+      </p:sp>
+      <p:sp>
+        <p:nvSpPr>
+          <p:cNvPr id="15" name="Espace réservé du numéro de diapositive 14"/>
+          <p:cNvSpPr>
+            <a:spLocks noGrp="1"/>
+          </p:cNvSpPr>
+          <p:nvPr>
+            <p:ph type="sldNum" sz="quarter" idx="13"/>
+          </p:nvPr>
+        </p:nvSpPr>
+        <p:spPr/>
+        <p:txBody>
+          <a:bodyPr/>
+          <a:lstStyle/>
+          <a:p>
+            <a:fld id="{305287CA-3E72-4A91-B59B-B69F40801570}" type="slidenum">
+              <a:rPr lang="en-GB" sz="1100" smtClean="0"/>
+              <a:pPr/>
+              <a:t>6</a:t>
+            </a:fld>
+            <a:endParaRPr lang="en-GB" sz="1100" dirty="0"/>
+          </a:p>
+        </p:txBody>
+      </p:sp>
+      <p:sp>
+        <p:nvSpPr>
+          <p:cNvPr id="2" name="Espace réservé de la date 1"/>
+          <p:cNvSpPr>
+            <a:spLocks noGrp="1"/>
+          </p:cNvSpPr>
+          <p:nvPr>
+            <p:ph type="dt" idx="14"/>
+          </p:nvPr>
+        </p:nvSpPr>
+        <p:spPr/>
+        <p:txBody>
+          <a:bodyPr/>
+          <a:lstStyle/>
+          <a:p>
+            <a:fld id="{973B10A7-8A2B-4F39-8160-83B51E5E9C07}" type="datetime1">
+              <a:rPr lang="fr-FR" smtClean="0"/>
+              <a:pPr/>
+              <a:t>18/11/2016</a:t>
+            </a:fld>
+            <a:endParaRPr lang="fr-FR"/>
+          </a:p>
+        </p:txBody>
+      </p:sp>
+    </p:spTree>
+    <p:extLst>
+      <p:ext uri="{BB962C8B-B14F-4D97-AF65-F5344CB8AC3E}">
+        <p14:creationId xmlns:p14="http://schemas.microsoft.com/office/powerpoint/2010/main" val="3129666355"/>
+      </p:ext>
+    </p:extLst>
+  </p:cSld>
+  <p:clrMapOvr>
+    <a:masterClrMapping/>
+  </p:clrMapOvr>
+</p:notes>
+</file>
+
+<file path=ppt/notesSlides/notesSlide6.xml><?xml version="1.0" encoding="utf-8"?>
+<p:notes xmlns:a="http://schemas.openxmlformats.org/drawingml/2006/main" xmlns:r="http://schemas.openxmlformats.org/officeDocument/2006/relationships" xmlns:p="http://schemas.openxmlformats.org/presentationml/2006/main">
+  <p:cSld>
+    <p:spTree>
+      <p:nvGrpSpPr>
+        <p:cNvPr id="1" name=""/>
+        <p:cNvGrpSpPr/>
+        <p:nvPr/>
+      </p:nvGrpSpPr>
+      <p:grpSpPr>
+        <a:xfrm>
+          <a:off x="0" y="0"/>
+          <a:ext cx="0" cy="0"/>
+          <a:chOff x="0" y="0"/>
+          <a:chExt cx="0" cy="0"/>
+        </a:xfrm>
+      </p:grpSpPr>
+      <p:sp>
+        <p:nvSpPr>
+          <p:cNvPr id="10" name="Espace réservé de l'image des diapositives 9"/>
+          <p:cNvSpPr>
+            <a:spLocks noGrp="1" noRot="1" noChangeAspect="1"/>
+          </p:cNvSpPr>
+          <p:nvPr>
+            <p:ph type="sldImg"/>
+          </p:nvPr>
+        </p:nvSpPr>
+        <p:spPr/>
+      </p:sp>
+      <p:sp>
+        <p:nvSpPr>
+          <p:cNvPr id="11" name="Espace réservé des commentaires 10"/>
+          <p:cNvSpPr>
+            <a:spLocks noGrp="1"/>
+          </p:cNvSpPr>
+          <p:nvPr>
+            <p:ph type="body" idx="1"/>
+          </p:nvPr>
+        </p:nvSpPr>
+        <p:spPr/>
+        <p:txBody>
+          <a:bodyPr/>
+          <a:lstStyle/>
+          <a:p>
+            <a:endParaRPr lang="fr-FR"/>
+          </a:p>
+        </p:txBody>
+      </p:sp>
+      <p:sp>
+        <p:nvSpPr>
+          <p:cNvPr id="14" name="Espace réservé du pied de page 13"/>
+          <p:cNvSpPr>
+            <a:spLocks noGrp="1"/>
+          </p:cNvSpPr>
+          <p:nvPr>
+            <p:ph type="ftr" sz="quarter" idx="12"/>
+          </p:nvPr>
+        </p:nvSpPr>
+        <p:spPr/>
+        <p:txBody>
+          <a:bodyPr/>
+          <a:lstStyle/>
+          <a:p>
+            <a:r>
+              <a:rPr lang="en-GB" sz="1100" dirty="0"/>
+              <a:t>Titre de la </a:t>
+            </a:r>
+            <a:r>
+              <a:rPr lang="en-GB" sz="1100" dirty="0" err="1"/>
+              <a:t>présentation</a:t>
+            </a:r>
+            <a:endParaRPr lang="en-GB" sz="1100" dirty="0"/>
+          </a:p>
+        </p:txBody>
+      </p:sp>
+      <p:sp>
+        <p:nvSpPr>
+          <p:cNvPr id="15" name="Espace réservé du numéro de diapositive 14"/>
+          <p:cNvSpPr>
+            <a:spLocks noGrp="1"/>
+          </p:cNvSpPr>
+          <p:nvPr>
+            <p:ph type="sldNum" sz="quarter" idx="13"/>
+          </p:nvPr>
+        </p:nvSpPr>
+        <p:spPr/>
+        <p:txBody>
+          <a:bodyPr/>
+          <a:lstStyle/>
+          <a:p>
+            <a:fld id="{305287CA-3E72-4A91-B59B-B69F40801570}" type="slidenum">
+              <a:rPr lang="en-GB" sz="1100" smtClean="0"/>
+              <a:pPr/>
+              <a:t>7</a:t>
+            </a:fld>
+            <a:endParaRPr lang="en-GB" sz="1100" dirty="0"/>
+          </a:p>
+        </p:txBody>
+      </p:sp>
+      <p:sp>
+        <p:nvSpPr>
+          <p:cNvPr id="2" name="Espace réservé de la date 1"/>
+          <p:cNvSpPr>
+            <a:spLocks noGrp="1"/>
+          </p:cNvSpPr>
+          <p:nvPr>
+            <p:ph type="dt" idx="14"/>
+          </p:nvPr>
+        </p:nvSpPr>
+        <p:spPr/>
+        <p:txBody>
+          <a:bodyPr/>
+          <a:lstStyle/>
+          <a:p>
+            <a:fld id="{973B10A7-8A2B-4F39-8160-83B51E5E9C07}" type="datetime1">
+              <a:rPr lang="fr-FR" smtClean="0"/>
+              <a:pPr/>
+              <a:t>18/11/2016</a:t>
+            </a:fld>
+            <a:endParaRPr lang="fr-FR"/>
+          </a:p>
+        </p:txBody>
+      </p:sp>
+    </p:spTree>
+    <p:extLst>
+      <p:ext uri="{BB962C8B-B14F-4D97-AF65-F5344CB8AC3E}">
+        <p14:creationId xmlns:p14="http://schemas.microsoft.com/office/powerpoint/2010/main" val="115042983"/>
+      </p:ext>
+    </p:extLst>
+  </p:cSld>
+  <p:clrMapOvr>
+    <a:masterClrMapping/>
+  </p:clrMapOvr>
+</p:notes>
+</file>
+
+<file path=ppt/notesSlides/notesSlide7.xml><?xml version="1.0" encoding="utf-8"?>
+<p:notes xmlns:a="http://schemas.openxmlformats.org/drawingml/2006/main" xmlns:r="http://schemas.openxmlformats.org/officeDocument/2006/relationships" xmlns:p="http://schemas.openxmlformats.org/presentationml/2006/main">
+  <p:cSld>
+    <p:spTree>
+      <p:nvGrpSpPr>
+        <p:cNvPr id="1" name=""/>
+        <p:cNvGrpSpPr/>
+        <p:nvPr/>
+      </p:nvGrpSpPr>
+      <p:grpSpPr>
+        <a:xfrm>
+          <a:off x="0" y="0"/>
+          <a:ext cx="0" cy="0"/>
+          <a:chOff x="0" y="0"/>
+          <a:chExt cx="0" cy="0"/>
+        </a:xfrm>
+      </p:grpSpPr>
+      <p:sp>
+        <p:nvSpPr>
+          <p:cNvPr id="10" name="Espace réservé de l'image des diapositives 9"/>
+          <p:cNvSpPr>
+            <a:spLocks noGrp="1" noRot="1" noChangeAspect="1"/>
+          </p:cNvSpPr>
+          <p:nvPr>
+            <p:ph type="sldImg"/>
+          </p:nvPr>
+        </p:nvSpPr>
+        <p:spPr/>
+      </p:sp>
+      <p:sp>
+        <p:nvSpPr>
+          <p:cNvPr id="11" name="Espace réservé des commentaires 10"/>
+          <p:cNvSpPr>
+            <a:spLocks noGrp="1"/>
+          </p:cNvSpPr>
+          <p:nvPr>
+            <p:ph type="body" idx="1"/>
+          </p:nvPr>
+        </p:nvSpPr>
+        <p:spPr/>
+        <p:txBody>
+          <a:bodyPr/>
+          <a:lstStyle/>
+          <a:p>
+            <a:endParaRPr lang="fr-FR"/>
+          </a:p>
+        </p:txBody>
+      </p:sp>
+      <p:sp>
+        <p:nvSpPr>
+          <p:cNvPr id="14" name="Espace réservé du pied de page 13"/>
+          <p:cNvSpPr>
+            <a:spLocks noGrp="1"/>
+          </p:cNvSpPr>
+          <p:nvPr>
+            <p:ph type="ftr" sz="quarter" idx="12"/>
+          </p:nvPr>
+        </p:nvSpPr>
+        <p:spPr/>
+        <p:txBody>
+          <a:bodyPr/>
+          <a:lstStyle/>
+          <a:p>
+            <a:r>
+              <a:rPr lang="en-GB" sz="1100" dirty="0"/>
+              <a:t>Titre de la </a:t>
+            </a:r>
+            <a:r>
+              <a:rPr lang="en-GB" sz="1100" dirty="0" err="1"/>
+              <a:t>présentation</a:t>
+            </a:r>
+            <a:endParaRPr lang="en-GB" sz="1100" dirty="0"/>
+          </a:p>
+        </p:txBody>
+      </p:sp>
+      <p:sp>
+        <p:nvSpPr>
+          <p:cNvPr id="15" name="Espace réservé du numéro de diapositive 14"/>
+          <p:cNvSpPr>
+            <a:spLocks noGrp="1"/>
+          </p:cNvSpPr>
+          <p:nvPr>
+            <p:ph type="sldNum" sz="quarter" idx="13"/>
+          </p:nvPr>
+        </p:nvSpPr>
+        <p:spPr/>
+        <p:txBody>
+          <a:bodyPr/>
+          <a:lstStyle/>
+          <a:p>
+            <a:fld id="{305287CA-3E72-4A91-B59B-B69F40801570}" type="slidenum">
+              <a:rPr lang="en-GB" sz="1100" smtClean="0"/>
+              <a:pPr/>
+              <a:t>8</a:t>
+            </a:fld>
+            <a:endParaRPr lang="en-GB" sz="1100" dirty="0"/>
+          </a:p>
+        </p:txBody>
+      </p:sp>
+      <p:sp>
+        <p:nvSpPr>
+          <p:cNvPr id="2" name="Espace réservé de la date 1"/>
+          <p:cNvSpPr>
+            <a:spLocks noGrp="1"/>
+          </p:cNvSpPr>
+          <p:nvPr>
+            <p:ph type="dt" idx="14"/>
+          </p:nvPr>
+        </p:nvSpPr>
+        <p:spPr/>
+        <p:txBody>
+          <a:bodyPr/>
+          <a:lstStyle/>
+          <a:p>
+            <a:fld id="{973B10A7-8A2B-4F39-8160-83B51E5E9C07}" type="datetime1">
+              <a:rPr lang="fr-FR" smtClean="0"/>
+              <a:pPr/>
+              <a:t>18/11/2016</a:t>
+            </a:fld>
+            <a:endParaRPr lang="fr-FR"/>
+          </a:p>
+        </p:txBody>
+      </p:sp>
+    </p:spTree>
+    <p:extLst>
+      <p:ext uri="{BB962C8B-B14F-4D97-AF65-F5344CB8AC3E}">
+        <p14:creationId xmlns:p14="http://schemas.microsoft.com/office/powerpoint/2010/main" val="165658075"/>
+      </p:ext>
+    </p:extLst>
+  </p:cSld>
+  <p:clrMapOvr>
+    <a:masterClrMapping/>
+  </p:clrMapOvr>
+</p:notes>
+</file>
+
+<file path=ppt/notesSlides/notesSlide8.xml><?xml version="1.0" encoding="utf-8"?>
+<p:notes xmlns:a="http://schemas.openxmlformats.org/drawingml/2006/main" xmlns:r="http://schemas.openxmlformats.org/officeDocument/2006/relationships" xmlns:p="http://schemas.openxmlformats.org/presentationml/2006/main">
+  <p:cSld>
+    <p:spTree>
+      <p:nvGrpSpPr>
+        <p:cNvPr id="1" name=""/>
+        <p:cNvGrpSpPr/>
+        <p:nvPr/>
+      </p:nvGrpSpPr>
+      <p:grpSpPr>
+        <a:xfrm>
+          <a:off x="0" y="0"/>
+          <a:ext cx="0" cy="0"/>
+          <a:chOff x="0" y="0"/>
+          <a:chExt cx="0" cy="0"/>
+        </a:xfrm>
+      </p:grpSpPr>
+      <p:sp>
+        <p:nvSpPr>
+          <p:cNvPr id="10" name="Espace réservé de l'image des diapositives 9"/>
+          <p:cNvSpPr>
+            <a:spLocks noGrp="1" noRot="1" noChangeAspect="1"/>
+          </p:cNvSpPr>
+          <p:nvPr>
+            <p:ph type="sldImg"/>
+          </p:nvPr>
+        </p:nvSpPr>
+        <p:spPr/>
+      </p:sp>
+      <p:sp>
+        <p:nvSpPr>
+          <p:cNvPr id="11" name="Espace réservé des commentaires 10"/>
+          <p:cNvSpPr>
+            <a:spLocks noGrp="1"/>
+          </p:cNvSpPr>
+          <p:nvPr>
+            <p:ph type="body" idx="1"/>
+          </p:nvPr>
+        </p:nvSpPr>
+        <p:spPr/>
+        <p:txBody>
+          <a:bodyPr/>
+          <a:lstStyle/>
+          <a:p>
+            <a:endParaRPr lang="fr-FR"/>
+          </a:p>
+        </p:txBody>
+      </p:sp>
+      <p:sp>
+        <p:nvSpPr>
+          <p:cNvPr id="14" name="Espace réservé du pied de page 13"/>
+          <p:cNvSpPr>
+            <a:spLocks noGrp="1"/>
+          </p:cNvSpPr>
+          <p:nvPr>
+            <p:ph type="ftr" sz="quarter" idx="12"/>
+          </p:nvPr>
+        </p:nvSpPr>
+        <p:spPr/>
+        <p:txBody>
+          <a:bodyPr/>
+          <a:lstStyle/>
+          <a:p>
+            <a:r>
+              <a:rPr lang="en-GB" sz="1100" dirty="0"/>
+              <a:t>Titre de la </a:t>
+            </a:r>
+            <a:r>
+              <a:rPr lang="en-GB" sz="1100" dirty="0" err="1"/>
+              <a:t>présentation</a:t>
+            </a:r>
+            <a:endParaRPr lang="en-GB" sz="1100" dirty="0"/>
+          </a:p>
+        </p:txBody>
+      </p:sp>
+      <p:sp>
+        <p:nvSpPr>
+          <p:cNvPr id="15" name="Espace réservé du numéro de diapositive 14"/>
+          <p:cNvSpPr>
+            <a:spLocks noGrp="1"/>
+          </p:cNvSpPr>
+          <p:nvPr>
+            <p:ph type="sldNum" sz="quarter" idx="13"/>
+          </p:nvPr>
+        </p:nvSpPr>
+        <p:spPr/>
+        <p:txBody>
+          <a:bodyPr/>
+          <a:lstStyle/>
+          <a:p>
+            <a:fld id="{305287CA-3E72-4A91-B59B-B69F40801570}" type="slidenum">
+              <a:rPr lang="en-GB" sz="1100" smtClean="0"/>
+              <a:pPr/>
+              <a:t>9</a:t>
+            </a:fld>
+            <a:endParaRPr lang="en-GB" sz="1100" dirty="0"/>
+          </a:p>
+        </p:txBody>
+      </p:sp>
+      <p:sp>
+        <p:nvSpPr>
+          <p:cNvPr id="2" name="Espace réservé de la date 1"/>
+          <p:cNvSpPr>
+            <a:spLocks noGrp="1"/>
+          </p:cNvSpPr>
+          <p:nvPr>
+            <p:ph type="dt" idx="14"/>
+          </p:nvPr>
+        </p:nvSpPr>
+        <p:spPr/>
+        <p:txBody>
+          <a:bodyPr/>
+          <a:lstStyle/>
+          <a:p>
+            <a:fld id="{973B10A7-8A2B-4F39-8160-83B51E5E9C07}" type="datetime1">
+              <a:rPr lang="fr-FR" smtClean="0"/>
+              <a:pPr/>
+              <a:t>18/11/2016</a:t>
+            </a:fld>
+            <a:endParaRPr lang="fr-FR"/>
+          </a:p>
+        </p:txBody>
+      </p:sp>
+    </p:spTree>
+    <p:extLst>
+      <p:ext uri="{BB962C8B-B14F-4D97-AF65-F5344CB8AC3E}">
+        <p14:creationId xmlns:p14="http://schemas.microsoft.com/office/powerpoint/2010/main" val="2857979204"/>
       </p:ext>
     </p:extLst>
   </p:cSld>
@@ -8879,261 +9702,65 @@
           <a:chExt cx="0" cy="0"/>
         </a:xfrm>
       </p:grpSpPr>
-      <p:sp>
-        <p:nvSpPr>
-          <p:cNvPr id="2" name="Espace réservé du contenu 1"/>
-          <p:cNvSpPr>
-            <a:spLocks noGrp="1"/>
-          </p:cNvSpPr>
-          <p:nvPr>
-            <p:ph idx="1"/>
-          </p:nvPr>
-        </p:nvSpPr>
-        <p:spPr bwMode="gray">
-          <a:xfrm>
-            <a:off x="468313" y="1131887"/>
-            <a:ext cx="8088511" cy="4681537"/>
-          </a:xfrm>
-        </p:spPr>
-        <p:txBody>
-          <a:bodyPr/>
-          <a:lstStyle/>
-          <a:p>
-            <a:r>
-              <a:rPr lang="en-US" dirty="0" smtClean="0"/>
-              <a:t>A </a:t>
-            </a:r>
-            <a:r>
-              <a:rPr lang="en-US" dirty="0"/>
-              <a:t>factory which creates a resource object that lets you interact with </a:t>
-            </a:r>
-            <a:r>
-              <a:rPr lang="en-US" dirty="0">
-                <a:hlinkClick r:id="rId3"/>
-              </a:rPr>
-              <a:t>RESTful</a:t>
-            </a:r>
-            <a:r>
-              <a:rPr lang="en-US" dirty="0"/>
-              <a:t> server-side data sources</a:t>
-            </a:r>
-            <a:r>
-              <a:rPr lang="en-US" dirty="0" smtClean="0"/>
-              <a:t>.</a:t>
-            </a:r>
-          </a:p>
-          <a:p>
-            <a:r>
-              <a:rPr lang="en-US" dirty="0" smtClean="0"/>
-              <a:t>The </a:t>
-            </a:r>
-            <a:r>
-              <a:rPr lang="en-US" dirty="0"/>
-              <a:t>returned resource object has action methods which provide high-level behaviors without the need to interact with the low level </a:t>
-            </a:r>
-            <a:r>
-              <a:rPr lang="en-US" dirty="0">
-                <a:hlinkClick r:id="rId4"/>
-              </a:rPr>
-              <a:t>$</a:t>
-            </a:r>
-            <a:r>
-              <a:rPr lang="en-US" dirty="0" smtClean="0">
-                <a:hlinkClick r:id="rId4"/>
-              </a:rPr>
-              <a:t>http</a:t>
-            </a:r>
-            <a:r>
-              <a:rPr lang="en-US" dirty="0" smtClean="0"/>
-              <a:t> service.</a:t>
-            </a:r>
-          </a:p>
-          <a:p>
-            <a:pPr lvl="1"/>
-            <a:endParaRPr lang="en-US" dirty="0"/>
-          </a:p>
-          <a:p>
-            <a:r>
-              <a:rPr lang="en-US" dirty="0" smtClean="0"/>
-              <a:t>Requires </a:t>
-            </a:r>
-            <a:r>
-              <a:rPr lang="en-US" dirty="0"/>
-              <a:t>the </a:t>
-            </a:r>
-            <a:r>
-              <a:rPr lang="en-US" dirty="0" err="1"/>
-              <a:t>ngResource</a:t>
-            </a:r>
-            <a:r>
-              <a:rPr lang="en-US" dirty="0"/>
-              <a:t> module to be </a:t>
-            </a:r>
-            <a:r>
-              <a:rPr lang="en-US" dirty="0" smtClean="0"/>
-              <a:t>installed</a:t>
-            </a:r>
-          </a:p>
-          <a:p>
-            <a:pPr lvl="1"/>
-            <a:r>
-              <a:rPr lang="en-US" dirty="0" smtClean="0">
-                <a:hlinkClick r:id="rId5"/>
-              </a:rPr>
-              <a:t>https</a:t>
-            </a:r>
-            <a:r>
-              <a:rPr lang="en-US" dirty="0">
-                <a:hlinkClick r:id="rId5"/>
-              </a:rPr>
-              <a:t>://</a:t>
-            </a:r>
-            <a:r>
-              <a:rPr lang="en-US" dirty="0" smtClean="0">
-                <a:hlinkClick r:id="rId5"/>
-              </a:rPr>
-              <a:t>docs.angularjs.org/api/ngResource</a:t>
-            </a:r>
-            <a:endParaRPr lang="en-US" dirty="0"/>
-          </a:p>
-          <a:p>
-            <a:pPr lvl="1"/>
-            <a:r>
-              <a:rPr lang="en-US" dirty="0" smtClean="0"/>
-              <a:t>Then</a:t>
-            </a:r>
-            <a:r>
-              <a:rPr lang="en-US" dirty="0"/>
-              <a:t>, include angular-resource.js in your HTML</a:t>
-            </a:r>
-            <a:r>
-              <a:rPr lang="en-US" dirty="0" smtClean="0"/>
-              <a:t>:</a:t>
-            </a:r>
-          </a:p>
-          <a:p>
-            <a:pPr marL="785813" lvl="2" indent="0">
-              <a:buNone/>
-            </a:pPr>
-            <a:r>
-              <a:rPr lang="en-US" dirty="0" smtClean="0"/>
-              <a:t>&lt;</a:t>
-            </a:r>
-            <a:r>
-              <a:rPr lang="en-US" dirty="0"/>
-              <a:t>script </a:t>
-            </a:r>
-            <a:r>
-              <a:rPr lang="en-US" dirty="0" err="1"/>
-              <a:t>src</a:t>
-            </a:r>
-            <a:r>
-              <a:rPr lang="en-US" dirty="0"/>
-              <a:t>="path/to/angular.js"&gt;&lt;/script&gt;</a:t>
-            </a:r>
-          </a:p>
-          <a:p>
-            <a:pPr marL="785813" lvl="2" indent="0">
-              <a:buNone/>
-            </a:pPr>
-            <a:r>
-              <a:rPr lang="en-US" dirty="0"/>
-              <a:t>&lt;script </a:t>
-            </a:r>
-            <a:r>
-              <a:rPr lang="en-US" dirty="0" err="1"/>
-              <a:t>src</a:t>
-            </a:r>
-            <a:r>
-              <a:rPr lang="en-US" dirty="0"/>
-              <a:t>="path/to/angular-resource.js"&gt;&lt;/script</a:t>
-            </a:r>
-            <a:r>
-              <a:rPr lang="en-US" dirty="0" smtClean="0"/>
-              <a:t>&gt;</a:t>
-            </a:r>
-          </a:p>
-          <a:p>
-            <a:pPr lvl="1">
-              <a:buSzPts val="1800"/>
-            </a:pPr>
-            <a:r>
-              <a:rPr lang="en-US" dirty="0" smtClean="0"/>
-              <a:t>Finally</a:t>
-            </a:r>
-            <a:r>
-              <a:rPr lang="en-US" dirty="0"/>
-              <a:t>, load the module in your application by adding it as a dependent module</a:t>
-            </a:r>
-            <a:r>
-              <a:rPr lang="en-US" dirty="0" smtClean="0"/>
-              <a:t>:</a:t>
-            </a:r>
-            <a:endParaRPr lang="en-US" dirty="0"/>
-          </a:p>
-          <a:p>
-            <a:pPr marL="785813" lvl="2" indent="0">
-              <a:buNone/>
-            </a:pPr>
-            <a:r>
-              <a:rPr lang="en-US" dirty="0" err="1"/>
-              <a:t>angular.module</a:t>
-            </a:r>
-            <a:r>
-              <a:rPr lang="en-US" dirty="0"/>
-              <a:t>('app', ['</a:t>
-            </a:r>
-            <a:r>
-              <a:rPr lang="en-US" dirty="0" err="1"/>
-              <a:t>ngResource</a:t>
-            </a:r>
-            <a:r>
-              <a:rPr lang="en-US" dirty="0"/>
-              <a:t>']);</a:t>
-            </a:r>
-            <a:endParaRPr lang="en-US" dirty="0"/>
-          </a:p>
-        </p:txBody>
-      </p:sp>
-      <p:sp>
-        <p:nvSpPr>
-          <p:cNvPr id="3" name="Titre 2"/>
-          <p:cNvSpPr>
-            <a:spLocks noGrp="1"/>
-          </p:cNvSpPr>
-          <p:nvPr>
-            <p:ph type="title"/>
-          </p:nvPr>
-        </p:nvSpPr>
-        <p:spPr bwMode="gray">
-          <a:xfrm>
-            <a:off x="544439" y="260648"/>
-            <a:ext cx="8045374" cy="332546"/>
-          </a:xfrm>
-        </p:spPr>
-        <p:txBody>
-          <a:bodyPr/>
-          <a:lstStyle/>
-          <a:p>
-            <a:r>
-              <a:rPr lang="fr-FR" cap="none" dirty="0"/>
-              <a:t>AngularJS</a:t>
-            </a:r>
-            <a:endParaRPr lang="en-GB" cap="none" dirty="0"/>
-          </a:p>
-        </p:txBody>
-      </p:sp>
-      <p:sp>
-        <p:nvSpPr>
-          <p:cNvPr id="5" name="Espace réservé du numéro de diapositive 4"/>
-          <p:cNvSpPr>
-            <a:spLocks noGrp="1"/>
-          </p:cNvSpPr>
-          <p:nvPr>
-            <p:ph type="sldNum" sz="quarter" idx="12"/>
-          </p:nvPr>
-        </p:nvSpPr>
-        <p:spPr bwMode="gray"/>
+      <p:pic>
+        <p:nvPicPr>
+          <p:cNvPr id="7" name="Espace réservé pour une image  6"/>
+          <p:cNvPicPr>
+            <a:picLocks noGrp="1" noChangeAspect="1"/>
+          </p:cNvPicPr>
+          <p:nvPr>
+            <p:ph type="pic" sz="quarter" idx="15"/>
+          </p:nvPr>
+        </p:nvPicPr>
+        <p:blipFill>
+          <a:blip r:embed="rId2">
+            <a:extLst>
+              <a:ext uri="{28A0092B-C50C-407E-A947-70E740481C1C}">
+                <a14:useLocalDpi xmlns:a14="http://schemas.microsoft.com/office/drawing/2010/main" val="0"/>
+              </a:ext>
+            </a:extLst>
+          </a:blip>
+          <a:srcRect l="5497" r="5497"/>
+          <a:stretch>
+            <a:fillRect/>
+          </a:stretch>
+        </p:blipFill>
+        <p:spPr/>
+      </p:pic>
+      <p:sp>
+        <p:nvSpPr>
+          <p:cNvPr id="3" name="Espace réservé du pied de page 2"/>
+          <p:cNvSpPr>
+            <a:spLocks noGrp="1"/>
+          </p:cNvSpPr>
+          <p:nvPr>
+            <p:ph type="ftr" sz="quarter" idx="13"/>
+          </p:nvPr>
+        </p:nvSpPr>
+        <p:spPr/>
+        <p:txBody>
+          <a:bodyPr/>
+          <a:lstStyle/>
+          <a:p>
+            <a:r>
+              <a:rPr lang="fr-FR" smtClean="0"/>
+              <a:t>Nom de la présentation</a:t>
+            </a:r>
+            <a:endParaRPr lang="fr-FR" dirty="0"/>
+          </a:p>
+        </p:txBody>
+      </p:sp>
+      <p:sp>
+        <p:nvSpPr>
+          <p:cNvPr id="4" name="Espace réservé du numéro de diapositive 3"/>
+          <p:cNvSpPr>
+            <a:spLocks noGrp="1"/>
+          </p:cNvSpPr>
+          <p:nvPr>
+            <p:ph type="sldNum" sz="quarter" idx="14"/>
+          </p:nvPr>
+        </p:nvSpPr>
+        <p:spPr/>
         <p:txBody>
           <a:bodyPr/>
           <a:lstStyle/>
@@ -9149,34 +9776,40 @@
       </p:sp>
       <p:sp>
         <p:nvSpPr>
-          <p:cNvPr id="10" name="Espace réservé du texte 9"/>
-          <p:cNvSpPr>
-            <a:spLocks noGrp="1"/>
-          </p:cNvSpPr>
-          <p:nvPr>
-            <p:ph type="body" sz="quarter" idx="13"/>
-          </p:nvPr>
-        </p:nvSpPr>
-        <p:spPr bwMode="gray"/>
-        <p:txBody>
-          <a:bodyPr/>
-          <a:lstStyle/>
-          <a:p>
-            <a:r>
-              <a:rPr lang="en-GB" cap="none" dirty="0"/>
-              <a:t>	$resource</a:t>
-            </a:r>
-          </a:p>
-        </p:txBody>
-      </p:sp>
-      <p:sp>
-        <p:nvSpPr>
-          <p:cNvPr id="6" name="Espace réservé du pied de page 5"/>
-          <p:cNvSpPr>
-            <a:spLocks noGrp="1"/>
-          </p:cNvSpPr>
-          <p:nvPr>
-            <p:ph type="ftr" sz="quarter" idx="11"/>
+          <p:cNvPr id="5" name="Titre 4"/>
+          <p:cNvSpPr>
+            <a:spLocks noGrp="1"/>
+          </p:cNvSpPr>
+          <p:nvPr>
+            <p:ph type="ctrTitle"/>
+          </p:nvPr>
+        </p:nvSpPr>
+        <p:spPr>
+          <a:xfrm>
+            <a:off x="551884" y="4218559"/>
+            <a:ext cx="6451431" cy="424711"/>
+          </a:xfrm>
+        </p:spPr>
+        <p:txBody>
+          <a:bodyPr/>
+          <a:lstStyle/>
+          <a:p>
+            <a:r>
+              <a:rPr lang="fr-FR" dirty="0" err="1" smtClean="0"/>
+              <a:t>AngularJS</a:t>
+            </a:r>
+            <a:endParaRPr lang="fr-FR" dirty="0"/>
+          </a:p>
+        </p:txBody>
+      </p:sp>
+      <p:sp>
+        <p:nvSpPr>
+          <p:cNvPr id="6" name="Sous-titre 5"/>
+          <p:cNvSpPr>
+            <a:spLocks noGrp="1"/>
+          </p:cNvSpPr>
+          <p:nvPr>
+            <p:ph type="subTitle" idx="1"/>
           </p:nvPr>
         </p:nvSpPr>
         <p:spPr/>
@@ -9185,8 +9818,12 @@
           <a:lstStyle/>
           <a:p>
             <a:r>
-              <a:rPr lang="fr-FR"/>
-              <a:t>Nom de la présentation</a:t>
+              <a:rPr lang="fr-FR" dirty="0" smtClean="0"/>
+              <a:t>$</a:t>
+            </a:r>
+            <a:r>
+              <a:rPr lang="fr-FR" dirty="0" err="1" smtClean="0"/>
+              <a:t>resource</a:t>
             </a:r>
             <a:endParaRPr lang="fr-FR" dirty="0"/>
           </a:p>
@@ -9195,7 +9832,7 @@
     </p:spTree>
     <p:extLst>
       <p:ext uri="{BB962C8B-B14F-4D97-AF65-F5344CB8AC3E}">
-        <p14:creationId xmlns:p14="http://schemas.microsoft.com/office/powerpoint/2010/main" val="2799607541"/>
+        <p14:creationId xmlns:p14="http://schemas.microsoft.com/office/powerpoint/2010/main" val="2658823880"/>
       </p:ext>
     </p:extLst>
   </p:cSld>
@@ -9243,15 +9880,197 @@
           <a:lstStyle/>
           <a:p>
             <a:r>
+              <a:rPr lang="en-US" dirty="0" smtClean="0"/>
+              <a:t>A </a:t>
+            </a:r>
+            <a:r>
+              <a:rPr lang="en-US" dirty="0"/>
+              <a:t>factory which creates a resource object that lets you interact with </a:t>
+            </a:r>
+            <a:r>
               <a:rPr lang="en-US" dirty="0">
                 <a:hlinkClick r:id="rId3"/>
               </a:rPr>
-              <a:t>https://docs.angularjs.org/api/ngResource/service/$resource</a:t>
-            </a:r>
+              <a:t>RESTful</a:t>
+            </a:r>
+            <a:r>
+              <a:rPr lang="en-US" dirty="0"/>
+              <a:t> server-side data sources</a:t>
+            </a:r>
+            <a:r>
+              <a:rPr lang="en-US" dirty="0" smtClean="0"/>
+              <a:t>.</a:t>
+            </a:r>
+          </a:p>
+          <a:p>
+            <a:r>
+              <a:rPr lang="en-US" dirty="0" smtClean="0"/>
+              <a:t>The </a:t>
+            </a:r>
+            <a:r>
+              <a:rPr lang="en-US" dirty="0"/>
+              <a:t>returned resource object has action methods which provide high-level behaviors without the need to interact with the low level </a:t>
+            </a:r>
+            <a:r>
+              <a:rPr lang="en-US" dirty="0">
+                <a:hlinkClick r:id="rId4"/>
+              </a:rPr>
+              <a:t>$</a:t>
+            </a:r>
+            <a:r>
+              <a:rPr lang="en-US" dirty="0" smtClean="0">
+                <a:hlinkClick r:id="rId4"/>
+              </a:rPr>
+              <a:t>http</a:t>
+            </a:r>
+            <a:r>
+              <a:rPr lang="en-US" dirty="0" smtClean="0"/>
+              <a:t> service.</a:t>
+            </a:r>
+          </a:p>
+          <a:p>
+            <a:pPr lvl="1"/>
             <a:endParaRPr lang="en-US" dirty="0"/>
           </a:p>
           <a:p>
+            <a:r>
+              <a:rPr lang="en-US" dirty="0" smtClean="0"/>
+              <a:t>Requires </a:t>
+            </a:r>
+            <a:r>
+              <a:rPr lang="en-US" dirty="0"/>
+              <a:t>the </a:t>
+            </a:r>
+            <a:r>
+              <a:rPr lang="en-US" dirty="0" err="1"/>
+              <a:t>ngResource</a:t>
+            </a:r>
+            <a:r>
+              <a:rPr lang="en-US" dirty="0"/>
+              <a:t> module to be </a:t>
+            </a:r>
+            <a:r>
+              <a:rPr lang="en-US" dirty="0" smtClean="0"/>
+              <a:t>installed</a:t>
+            </a:r>
+          </a:p>
+          <a:p>
+            <a:pPr lvl="1"/>
+            <a:r>
+              <a:rPr lang="en-US" dirty="0" smtClean="0">
+                <a:hlinkClick r:id="rId5"/>
+              </a:rPr>
+              <a:t>https</a:t>
+            </a:r>
+            <a:r>
+              <a:rPr lang="en-US" dirty="0">
+                <a:hlinkClick r:id="rId5"/>
+              </a:rPr>
+              <a:t>://</a:t>
+            </a:r>
+            <a:r>
+              <a:rPr lang="en-US" dirty="0" smtClean="0">
+                <a:hlinkClick r:id="rId5"/>
+              </a:rPr>
+              <a:t>docs.angularjs.org/api/ngResource</a:t>
+            </a:r>
             <a:endParaRPr lang="en-US" dirty="0"/>
+          </a:p>
+          <a:p>
+            <a:pPr lvl="1"/>
+            <a:r>
+              <a:rPr lang="en-US" dirty="0" smtClean="0"/>
+              <a:t>Then</a:t>
+            </a:r>
+            <a:r>
+              <a:rPr lang="en-US" dirty="0"/>
+              <a:t>, include angular-resource.js in your HTML</a:t>
+            </a:r>
+            <a:r>
+              <a:rPr lang="en-US" dirty="0" smtClean="0"/>
+              <a:t>:</a:t>
+            </a:r>
+          </a:p>
+          <a:p>
+            <a:pPr marL="785813" lvl="2" indent="0">
+              <a:buNone/>
+            </a:pPr>
+            <a:r>
+              <a:rPr lang="en-US" dirty="0" smtClean="0"/>
+              <a:t>&lt;</a:t>
+            </a:r>
+            <a:r>
+              <a:rPr lang="en-US" dirty="0"/>
+              <a:t>script </a:t>
+            </a:r>
+            <a:r>
+              <a:rPr lang="en-US" dirty="0" err="1"/>
+              <a:t>src</a:t>
+            </a:r>
+            <a:r>
+              <a:rPr lang="en-US" dirty="0"/>
+              <a:t>="path/to/angular.js"&gt;&lt;/script&gt;</a:t>
+            </a:r>
+          </a:p>
+          <a:p>
+            <a:pPr marL="785813" lvl="2" indent="0">
+              <a:buNone/>
+            </a:pPr>
+            <a:r>
+              <a:rPr lang="en-US" dirty="0"/>
+              <a:t>&lt;script </a:t>
+            </a:r>
+            <a:r>
+              <a:rPr lang="en-US" dirty="0" err="1"/>
+              <a:t>src</a:t>
+            </a:r>
+            <a:r>
+              <a:rPr lang="en-US" dirty="0"/>
+              <a:t>="path/to/angular-resource.js"&gt;&lt;/script</a:t>
+            </a:r>
+            <a:r>
+              <a:rPr lang="en-US" dirty="0" smtClean="0"/>
+              <a:t>&gt;</a:t>
+            </a:r>
+          </a:p>
+          <a:p>
+            <a:pPr lvl="1">
+              <a:buSzPts val="1800"/>
+            </a:pPr>
+            <a:r>
+              <a:rPr lang="en-US" dirty="0" smtClean="0"/>
+              <a:t>Finally</a:t>
+            </a:r>
+            <a:r>
+              <a:rPr lang="en-US" dirty="0"/>
+              <a:t>, load the module in your application by adding it as a dependent module</a:t>
+            </a:r>
+            <a:r>
+              <a:rPr lang="en-US" dirty="0" smtClean="0"/>
+              <a:t>:</a:t>
+            </a:r>
+            <a:endParaRPr lang="en-US" dirty="0"/>
+          </a:p>
+          <a:p>
+            <a:pPr marL="785813" lvl="2" indent="0">
+              <a:buNone/>
+            </a:pPr>
+            <a:r>
+              <a:rPr lang="en-US" dirty="0" err="1"/>
+              <a:t>angular.module</a:t>
+            </a:r>
+            <a:r>
+              <a:rPr lang="en-US" dirty="0"/>
+              <a:t>('app', ['</a:t>
+            </a:r>
+            <a:r>
+              <a:rPr lang="en-US" dirty="0" err="1"/>
+              <a:t>ngResource</a:t>
+            </a:r>
+            <a:r>
+              <a:rPr lang="en-US" dirty="0"/>
+              <a:t>']);</a:t>
+            </a:r>
           </a:p>
         </p:txBody>
       </p:sp>
@@ -9302,6 +10121,167 @@
               <a:rPr lang="fr-FR" smtClean="0"/>
               <a:pPr/>
               <a:t>2</a:t>
+            </a:fld>
+            <a:endParaRPr lang="fr-FR" dirty="0"/>
+          </a:p>
+        </p:txBody>
+      </p:sp>
+      <p:sp>
+        <p:nvSpPr>
+          <p:cNvPr id="10" name="Espace réservé du texte 9"/>
+          <p:cNvSpPr>
+            <a:spLocks noGrp="1"/>
+          </p:cNvSpPr>
+          <p:nvPr>
+            <p:ph type="body" sz="quarter" idx="13"/>
+          </p:nvPr>
+        </p:nvSpPr>
+        <p:spPr bwMode="gray"/>
+        <p:txBody>
+          <a:bodyPr/>
+          <a:lstStyle/>
+          <a:p>
+            <a:r>
+              <a:rPr lang="en-GB" cap="none" dirty="0"/>
+              <a:t>	$resource</a:t>
+            </a:r>
+          </a:p>
+        </p:txBody>
+      </p:sp>
+      <p:sp>
+        <p:nvSpPr>
+          <p:cNvPr id="6" name="Espace réservé du pied de page 5"/>
+          <p:cNvSpPr>
+            <a:spLocks noGrp="1"/>
+          </p:cNvSpPr>
+          <p:nvPr>
+            <p:ph type="ftr" sz="quarter" idx="11"/>
+          </p:nvPr>
+        </p:nvSpPr>
+        <p:spPr/>
+        <p:txBody>
+          <a:bodyPr/>
+          <a:lstStyle/>
+          <a:p>
+            <a:r>
+              <a:rPr lang="fr-FR"/>
+              <a:t>Nom de la présentation</a:t>
+            </a:r>
+            <a:endParaRPr lang="fr-FR" dirty="0"/>
+          </a:p>
+        </p:txBody>
+      </p:sp>
+    </p:spTree>
+    <p:extLst>
+      <p:ext uri="{BB962C8B-B14F-4D97-AF65-F5344CB8AC3E}">
+        <p14:creationId xmlns:p14="http://schemas.microsoft.com/office/powerpoint/2010/main" val="2799607541"/>
+      </p:ext>
+    </p:extLst>
+  </p:cSld>
+  <p:clrMapOvr>
+    <a:masterClrMapping/>
+  </p:clrMapOvr>
+  <p:timing>
+    <p:tnLst>
+      <p:par>
+        <p:cTn id="1" dur="indefinite" restart="never" nodeType="tmRoot"/>
+      </p:par>
+    </p:tnLst>
+  </p:timing>
+</p:sld>
+</file>
+
+<file path=ppt/slides/slide3.xml><?xml version="1.0" encoding="utf-8"?>
+<p:sld xmlns:a="http://schemas.openxmlformats.org/drawingml/2006/main" xmlns:r="http://schemas.openxmlformats.org/officeDocument/2006/relationships" xmlns:p="http://schemas.openxmlformats.org/presentationml/2006/main">
+  <p:cSld>
+    <p:spTree>
+      <p:nvGrpSpPr>
+        <p:cNvPr id="1" name=""/>
+        <p:cNvGrpSpPr/>
+        <p:nvPr/>
+      </p:nvGrpSpPr>
+      <p:grpSpPr>
+        <a:xfrm>
+          <a:off x="0" y="0"/>
+          <a:ext cx="0" cy="0"/>
+          <a:chOff x="0" y="0"/>
+          <a:chExt cx="0" cy="0"/>
+        </a:xfrm>
+      </p:grpSpPr>
+      <p:sp>
+        <p:nvSpPr>
+          <p:cNvPr id="2" name="Espace réservé du contenu 1"/>
+          <p:cNvSpPr>
+            <a:spLocks noGrp="1"/>
+          </p:cNvSpPr>
+          <p:nvPr>
+            <p:ph idx="1"/>
+          </p:nvPr>
+        </p:nvSpPr>
+        <p:spPr bwMode="gray">
+          <a:xfrm>
+            <a:off x="468313" y="1131887"/>
+            <a:ext cx="8088511" cy="4681537"/>
+          </a:xfrm>
+        </p:spPr>
+        <p:txBody>
+          <a:bodyPr/>
+          <a:lstStyle/>
+          <a:p>
+            <a:pPr marL="0" indent="0">
+              <a:buNone/>
+            </a:pPr>
+            <a:endParaRPr lang="en-US" dirty="0"/>
+          </a:p>
+        </p:txBody>
+      </p:sp>
+      <p:sp>
+        <p:nvSpPr>
+          <p:cNvPr id="3" name="Titre 2"/>
+          <p:cNvSpPr>
+            <a:spLocks noGrp="1"/>
+          </p:cNvSpPr>
+          <p:nvPr>
+            <p:ph type="title"/>
+          </p:nvPr>
+        </p:nvSpPr>
+        <p:spPr bwMode="gray">
+          <a:xfrm>
+            <a:off x="544439" y="260648"/>
+            <a:ext cx="8045374" cy="332546"/>
+          </a:xfrm>
+        </p:spPr>
+        <p:txBody>
+          <a:bodyPr/>
+          <a:lstStyle/>
+          <a:p>
+            <a:r>
+              <a:rPr lang="fr-FR" cap="none" dirty="0"/>
+              <a:t>AngularJS</a:t>
+            </a:r>
+            <a:endParaRPr lang="en-GB" cap="none" dirty="0"/>
+          </a:p>
+        </p:txBody>
+      </p:sp>
+      <p:sp>
+        <p:nvSpPr>
+          <p:cNvPr id="5" name="Espace réservé du numéro de diapositive 4"/>
+          <p:cNvSpPr>
+            <a:spLocks noGrp="1"/>
+          </p:cNvSpPr>
+          <p:nvPr>
+            <p:ph type="sldNum" sz="quarter" idx="12"/>
+          </p:nvPr>
+        </p:nvSpPr>
+        <p:spPr bwMode="gray"/>
+        <p:txBody>
+          <a:bodyPr/>
+          <a:lstStyle/>
+          <a:p>
+            <a:fld id="{AF43E6FD-AB27-4108-A2FC-346BB5F75E3F}" type="slidenum">
+              <a:rPr lang="fr-FR" smtClean="0"/>
+              <a:pPr/>
+              <a:t>3</a:t>
             </a:fld>
             <a:endParaRPr lang="fr-FR" dirty="0"/>
           </a:p>
@@ -9360,17 +10340,15 @@
           </p:cNvPicPr>
           <p:nvPr/>
         </p:nvPicPr>
-        <p:blipFill>
-          <a:blip r:embed="rId4"/>
-          <a:srcRect/>
-          <a:stretch>
-            <a:fillRect/>
-          </a:stretch>
+        <p:blipFill rotWithShape="1">
+          <a:blip r:embed="rId3"/>
+          <a:srcRect l="11717"/>
+          <a:stretch/>
         </p:blipFill>
         <p:spPr bwMode="auto">
           <a:xfrm>
-            <a:off x="0" y="1579248"/>
-            <a:ext cx="9144000" cy="4369115"/>
+            <a:off x="418356" y="1444309"/>
+            <a:ext cx="8072582" cy="4369115"/>
           </a:xfrm>
           <a:prstGeom prst="rect">
             <a:avLst/>
@@ -9388,6 +10366,1431 @@
     <p:extLst>
       <p:ext uri="{BB962C8B-B14F-4D97-AF65-F5344CB8AC3E}">
         <p14:creationId xmlns:p14="http://schemas.microsoft.com/office/powerpoint/2010/main" val="2526031973"/>
+      </p:ext>
+    </p:extLst>
+  </p:cSld>
+  <p:clrMapOvr>
+    <a:masterClrMapping/>
+  </p:clrMapOvr>
+  <p:timing>
+    <p:tnLst>
+      <p:par>
+        <p:cTn id="1" dur="indefinite" restart="never" nodeType="tmRoot"/>
+      </p:par>
+    </p:tnLst>
+  </p:timing>
+</p:sld>
+</file>
+
+<file path=ppt/slides/slide4.xml><?xml version="1.0" encoding="utf-8"?>
+<p:sld xmlns:a="http://schemas.openxmlformats.org/drawingml/2006/main" xmlns:r="http://schemas.openxmlformats.org/officeDocument/2006/relationships" xmlns:p="http://schemas.openxmlformats.org/presentationml/2006/main">
+  <p:cSld>
+    <p:spTree>
+      <p:nvGrpSpPr>
+        <p:cNvPr id="1" name=""/>
+        <p:cNvGrpSpPr/>
+        <p:nvPr/>
+      </p:nvGrpSpPr>
+      <p:grpSpPr>
+        <a:xfrm>
+          <a:off x="0" y="0"/>
+          <a:ext cx="0" cy="0"/>
+          <a:chOff x="0" y="0"/>
+          <a:chExt cx="0" cy="0"/>
+        </a:xfrm>
+      </p:grpSpPr>
+      <p:sp>
+        <p:nvSpPr>
+          <p:cNvPr id="2" name="Espace réservé du contenu 1"/>
+          <p:cNvSpPr>
+            <a:spLocks noGrp="1"/>
+          </p:cNvSpPr>
+          <p:nvPr>
+            <p:ph idx="1"/>
+          </p:nvPr>
+        </p:nvSpPr>
+        <p:spPr bwMode="gray">
+          <a:xfrm>
+            <a:off x="468313" y="1131887"/>
+            <a:ext cx="8088511" cy="4681537"/>
+          </a:xfrm>
+        </p:spPr>
+        <p:txBody>
+          <a:bodyPr/>
+          <a:lstStyle/>
+          <a:p>
+            <a:pPr>
+              <a:buFont typeface="Arial" panose="020B0604020202020204" pitchFamily="34" charset="0"/>
+              <a:buChar char="•"/>
+            </a:pPr>
+            <a:r>
+              <a:rPr lang="en-US" dirty="0" smtClean="0"/>
+              <a:t>Invoking </a:t>
+            </a:r>
+            <a:r>
+              <a:rPr lang="en-US" dirty="0"/>
+              <a:t>a $resource object method immediately returns an empty reference (object or array depending on </a:t>
+            </a:r>
+            <a:r>
+              <a:rPr lang="en-US" dirty="0" err="1"/>
+              <a:t>isArray</a:t>
+            </a:r>
+            <a:r>
+              <a:rPr lang="en-US" dirty="0" smtClean="0"/>
+              <a:t>).</a:t>
+            </a:r>
+          </a:p>
+          <a:p>
+            <a:pPr>
+              <a:buFont typeface="Arial" panose="020B0604020202020204" pitchFamily="34" charset="0"/>
+              <a:buChar char="•"/>
+            </a:pPr>
+            <a:r>
+              <a:rPr lang="en-US" dirty="0"/>
+              <a:t>Once the data is returned from the server the existing reference is populated with the actual data. </a:t>
+            </a:r>
+            <a:endParaRPr lang="en-US" dirty="0" smtClean="0"/>
+          </a:p>
+          <a:p>
+            <a:pPr>
+              <a:buFont typeface="Arial" panose="020B0604020202020204" pitchFamily="34" charset="0"/>
+              <a:buChar char="•"/>
+            </a:pPr>
+            <a:r>
+              <a:rPr lang="en-US" dirty="0" smtClean="0"/>
+              <a:t>This </a:t>
+            </a:r>
+            <a:r>
+              <a:rPr lang="en-US" dirty="0"/>
+              <a:t>is a useful trick since usually the resource is assigned to a model which is then rendered by the view</a:t>
+            </a:r>
+            <a:r>
+              <a:rPr lang="en-US" dirty="0" smtClean="0"/>
+              <a:t>.</a:t>
+            </a:r>
+          </a:p>
+          <a:p>
+            <a:pPr>
+              <a:buFont typeface="Arial" panose="020B0604020202020204" pitchFamily="34" charset="0"/>
+              <a:buChar char="•"/>
+            </a:pPr>
+            <a:r>
+              <a:rPr lang="en-US" dirty="0"/>
+              <a:t>This means that in most cases one never has to write a callback function for the action methods.</a:t>
+            </a:r>
+            <a:endParaRPr lang="en-US" dirty="0" smtClean="0"/>
+          </a:p>
+          <a:p>
+            <a:pPr>
+              <a:buFont typeface="Arial" panose="020B0604020202020204" pitchFamily="34" charset="0"/>
+              <a:buChar char="•"/>
+            </a:pPr>
+            <a:endParaRPr lang="en-US" dirty="0" smtClean="0"/>
+          </a:p>
+          <a:p>
+            <a:pPr marL="0" indent="0">
+              <a:buNone/>
+            </a:pPr>
+            <a:endParaRPr lang="en-US" dirty="0"/>
+          </a:p>
+        </p:txBody>
+      </p:sp>
+      <p:sp>
+        <p:nvSpPr>
+          <p:cNvPr id="3" name="Titre 2"/>
+          <p:cNvSpPr>
+            <a:spLocks noGrp="1"/>
+          </p:cNvSpPr>
+          <p:nvPr>
+            <p:ph type="title"/>
+          </p:nvPr>
+        </p:nvSpPr>
+        <p:spPr bwMode="gray">
+          <a:xfrm>
+            <a:off x="544439" y="260648"/>
+            <a:ext cx="8045374" cy="332546"/>
+          </a:xfrm>
+        </p:spPr>
+        <p:txBody>
+          <a:bodyPr/>
+          <a:lstStyle/>
+          <a:p>
+            <a:r>
+              <a:rPr lang="fr-FR" cap="none" dirty="0"/>
+              <a:t>AngularJS</a:t>
+            </a:r>
+            <a:endParaRPr lang="en-GB" cap="none" dirty="0"/>
+          </a:p>
+        </p:txBody>
+      </p:sp>
+      <p:sp>
+        <p:nvSpPr>
+          <p:cNvPr id="5" name="Espace réservé du numéro de diapositive 4"/>
+          <p:cNvSpPr>
+            <a:spLocks noGrp="1"/>
+          </p:cNvSpPr>
+          <p:nvPr>
+            <p:ph type="sldNum" sz="quarter" idx="12"/>
+          </p:nvPr>
+        </p:nvSpPr>
+        <p:spPr bwMode="gray"/>
+        <p:txBody>
+          <a:bodyPr/>
+          <a:lstStyle/>
+          <a:p>
+            <a:fld id="{AF43E6FD-AB27-4108-A2FC-346BB5F75E3F}" type="slidenum">
+              <a:rPr lang="fr-FR" smtClean="0"/>
+              <a:pPr/>
+              <a:t>4</a:t>
+            </a:fld>
+            <a:endParaRPr lang="fr-FR" dirty="0"/>
+          </a:p>
+        </p:txBody>
+      </p:sp>
+      <p:sp>
+        <p:nvSpPr>
+          <p:cNvPr id="10" name="Espace réservé du texte 9"/>
+          <p:cNvSpPr>
+            <a:spLocks noGrp="1"/>
+          </p:cNvSpPr>
+          <p:nvPr>
+            <p:ph type="body" sz="quarter" idx="13"/>
+          </p:nvPr>
+        </p:nvSpPr>
+        <p:spPr bwMode="gray"/>
+        <p:txBody>
+          <a:bodyPr/>
+          <a:lstStyle/>
+          <a:p>
+            <a:r>
+              <a:rPr lang="en-GB" cap="none" dirty="0"/>
+              <a:t>	$resource</a:t>
+            </a:r>
+          </a:p>
+        </p:txBody>
+      </p:sp>
+      <p:sp>
+        <p:nvSpPr>
+          <p:cNvPr id="6" name="Espace réservé du pied de page 5"/>
+          <p:cNvSpPr>
+            <a:spLocks noGrp="1"/>
+          </p:cNvSpPr>
+          <p:nvPr>
+            <p:ph type="ftr" sz="quarter" idx="11"/>
+          </p:nvPr>
+        </p:nvSpPr>
+        <p:spPr/>
+        <p:txBody>
+          <a:bodyPr/>
+          <a:lstStyle/>
+          <a:p>
+            <a:r>
+              <a:rPr lang="fr-FR"/>
+              <a:t>Nom de la présentation</a:t>
+            </a:r>
+            <a:endParaRPr lang="fr-FR" dirty="0"/>
+          </a:p>
+        </p:txBody>
+      </p:sp>
+    </p:spTree>
+    <p:extLst>
+      <p:ext uri="{BB962C8B-B14F-4D97-AF65-F5344CB8AC3E}">
+        <p14:creationId xmlns:p14="http://schemas.microsoft.com/office/powerpoint/2010/main" val="2583742025"/>
+      </p:ext>
+    </p:extLst>
+  </p:cSld>
+  <p:clrMapOvr>
+    <a:masterClrMapping/>
+  </p:clrMapOvr>
+</p:sld>
+</file>
+
+<file path=ppt/slides/slide5.xml><?xml version="1.0" encoding="utf-8"?>
+<p:sld xmlns:a="http://schemas.openxmlformats.org/drawingml/2006/main" xmlns:r="http://schemas.openxmlformats.org/officeDocument/2006/relationships" xmlns:p="http://schemas.openxmlformats.org/presentationml/2006/main">
+  <p:cSld>
+    <p:spTree>
+      <p:nvGrpSpPr>
+        <p:cNvPr id="1" name=""/>
+        <p:cNvGrpSpPr/>
+        <p:nvPr/>
+      </p:nvGrpSpPr>
+      <p:grpSpPr>
+        <a:xfrm>
+          <a:off x="0" y="0"/>
+          <a:ext cx="0" cy="0"/>
+          <a:chOff x="0" y="0"/>
+          <a:chExt cx="0" cy="0"/>
+        </a:xfrm>
+      </p:grpSpPr>
+      <p:sp>
+        <p:nvSpPr>
+          <p:cNvPr id="2" name="Espace réservé du contenu 1"/>
+          <p:cNvSpPr>
+            <a:spLocks noGrp="1"/>
+          </p:cNvSpPr>
+          <p:nvPr>
+            <p:ph idx="1"/>
+          </p:nvPr>
+        </p:nvSpPr>
+        <p:spPr bwMode="gray">
+          <a:xfrm>
+            <a:off x="468313" y="1131887"/>
+            <a:ext cx="8518669" cy="4681537"/>
+          </a:xfrm>
+        </p:spPr>
+        <p:txBody>
+          <a:bodyPr/>
+          <a:lstStyle/>
+          <a:p>
+            <a:pPr>
+              <a:buFont typeface="Arial" panose="020B0604020202020204" pitchFamily="34" charset="0"/>
+              <a:buChar char="•"/>
+            </a:pPr>
+            <a:r>
+              <a:rPr lang="en-US" dirty="0"/>
+              <a:t>The action methods on the class object or instance object can be invoked with the following parameters:</a:t>
+            </a:r>
+          </a:p>
+          <a:p>
+            <a:pPr>
+              <a:buFont typeface="Arial" panose="020B0604020202020204" pitchFamily="34" charset="0"/>
+              <a:buChar char="•"/>
+            </a:pPr>
+            <a:endParaRPr lang="en-US" dirty="0"/>
+          </a:p>
+          <a:p>
+            <a:pPr lvl="1">
+              <a:buFont typeface="Arial" panose="020B0604020202020204" pitchFamily="34" charset="0"/>
+              <a:buChar char="•"/>
+            </a:pPr>
+            <a:r>
+              <a:rPr lang="en-US" dirty="0" smtClean="0"/>
+              <a:t>HTTP </a:t>
+            </a:r>
+            <a:r>
+              <a:rPr lang="en-US" dirty="0"/>
+              <a:t>GET "class" actions: </a:t>
+            </a:r>
+            <a:r>
+              <a:rPr lang="en-US" dirty="0" err="1"/>
+              <a:t>Resource.action</a:t>
+            </a:r>
+            <a:r>
+              <a:rPr lang="en-US" dirty="0"/>
+              <a:t>([parameters], [success], [error])</a:t>
+            </a:r>
+          </a:p>
+          <a:p>
+            <a:pPr lvl="1">
+              <a:buFont typeface="Arial" panose="020B0604020202020204" pitchFamily="34" charset="0"/>
+              <a:buChar char="•"/>
+            </a:pPr>
+            <a:r>
+              <a:rPr lang="en-US" dirty="0"/>
+              <a:t>non-GET "class" actions: </a:t>
+            </a:r>
+            <a:r>
+              <a:rPr lang="en-US" dirty="0" err="1"/>
+              <a:t>Resource.action</a:t>
+            </a:r>
+            <a:r>
+              <a:rPr lang="en-US" dirty="0"/>
+              <a:t>([parameters], </a:t>
+            </a:r>
+            <a:r>
+              <a:rPr lang="en-US" dirty="0" err="1"/>
+              <a:t>postData</a:t>
+            </a:r>
+            <a:r>
+              <a:rPr lang="en-US" dirty="0"/>
+              <a:t>, [success], [error])</a:t>
+            </a:r>
+          </a:p>
+          <a:p>
+            <a:pPr lvl="1">
+              <a:buFont typeface="Arial" panose="020B0604020202020204" pitchFamily="34" charset="0"/>
+              <a:buChar char="•"/>
+            </a:pPr>
+            <a:r>
+              <a:rPr lang="en-US" dirty="0"/>
+              <a:t>non-GET instance actions: </a:t>
+            </a:r>
+            <a:r>
+              <a:rPr lang="en-US" dirty="0" err="1"/>
+              <a:t>instance.$action</a:t>
+            </a:r>
+            <a:r>
+              <a:rPr lang="en-US" dirty="0"/>
+              <a:t>([parameters], [success], [error])</a:t>
+            </a:r>
+          </a:p>
+          <a:p>
+            <a:pPr marL="0" indent="0">
+              <a:buNone/>
+            </a:pPr>
+            <a:endParaRPr lang="en-US" dirty="0"/>
+          </a:p>
+        </p:txBody>
+      </p:sp>
+      <p:sp>
+        <p:nvSpPr>
+          <p:cNvPr id="3" name="Titre 2"/>
+          <p:cNvSpPr>
+            <a:spLocks noGrp="1"/>
+          </p:cNvSpPr>
+          <p:nvPr>
+            <p:ph type="title"/>
+          </p:nvPr>
+        </p:nvSpPr>
+        <p:spPr bwMode="gray">
+          <a:xfrm>
+            <a:off x="544439" y="260648"/>
+            <a:ext cx="8045374" cy="332546"/>
+          </a:xfrm>
+        </p:spPr>
+        <p:txBody>
+          <a:bodyPr/>
+          <a:lstStyle/>
+          <a:p>
+            <a:r>
+              <a:rPr lang="fr-FR" cap="none" dirty="0"/>
+              <a:t>AngularJS</a:t>
+            </a:r>
+            <a:endParaRPr lang="en-GB" cap="none" dirty="0"/>
+          </a:p>
+        </p:txBody>
+      </p:sp>
+      <p:sp>
+        <p:nvSpPr>
+          <p:cNvPr id="5" name="Espace réservé du numéro de diapositive 4"/>
+          <p:cNvSpPr>
+            <a:spLocks noGrp="1"/>
+          </p:cNvSpPr>
+          <p:nvPr>
+            <p:ph type="sldNum" sz="quarter" idx="12"/>
+          </p:nvPr>
+        </p:nvSpPr>
+        <p:spPr bwMode="gray"/>
+        <p:txBody>
+          <a:bodyPr/>
+          <a:lstStyle/>
+          <a:p>
+            <a:fld id="{AF43E6FD-AB27-4108-A2FC-346BB5F75E3F}" type="slidenum">
+              <a:rPr lang="fr-FR" smtClean="0"/>
+              <a:pPr/>
+              <a:t>5</a:t>
+            </a:fld>
+            <a:endParaRPr lang="fr-FR" dirty="0"/>
+          </a:p>
+        </p:txBody>
+      </p:sp>
+      <p:sp>
+        <p:nvSpPr>
+          <p:cNvPr id="10" name="Espace réservé du texte 9"/>
+          <p:cNvSpPr>
+            <a:spLocks noGrp="1"/>
+          </p:cNvSpPr>
+          <p:nvPr>
+            <p:ph type="body" sz="quarter" idx="13"/>
+          </p:nvPr>
+        </p:nvSpPr>
+        <p:spPr bwMode="gray"/>
+        <p:txBody>
+          <a:bodyPr/>
+          <a:lstStyle/>
+          <a:p>
+            <a:r>
+              <a:rPr lang="en-GB" cap="none" dirty="0"/>
+              <a:t>	$resource</a:t>
+            </a:r>
+          </a:p>
+        </p:txBody>
+      </p:sp>
+      <p:sp>
+        <p:nvSpPr>
+          <p:cNvPr id="6" name="Espace réservé du pied de page 5"/>
+          <p:cNvSpPr>
+            <a:spLocks noGrp="1"/>
+          </p:cNvSpPr>
+          <p:nvPr>
+            <p:ph type="ftr" sz="quarter" idx="11"/>
+          </p:nvPr>
+        </p:nvSpPr>
+        <p:spPr/>
+        <p:txBody>
+          <a:bodyPr/>
+          <a:lstStyle/>
+          <a:p>
+            <a:r>
+              <a:rPr lang="fr-FR"/>
+              <a:t>Nom de la présentation</a:t>
+            </a:r>
+            <a:endParaRPr lang="fr-FR" dirty="0"/>
+          </a:p>
+        </p:txBody>
+      </p:sp>
+    </p:spTree>
+    <p:extLst>
+      <p:ext uri="{BB962C8B-B14F-4D97-AF65-F5344CB8AC3E}">
+        <p14:creationId xmlns:p14="http://schemas.microsoft.com/office/powerpoint/2010/main" val="1501140743"/>
+      </p:ext>
+    </p:extLst>
+  </p:cSld>
+  <p:clrMapOvr>
+    <a:masterClrMapping/>
+  </p:clrMapOvr>
+</p:sld>
+</file>
+
+<file path=ppt/slides/slide6.xml><?xml version="1.0" encoding="utf-8"?>
+<p:sld xmlns:a="http://schemas.openxmlformats.org/drawingml/2006/main" xmlns:r="http://schemas.openxmlformats.org/officeDocument/2006/relationships" xmlns:p="http://schemas.openxmlformats.org/presentationml/2006/main">
+  <p:cSld>
+    <p:spTree>
+      <p:nvGrpSpPr>
+        <p:cNvPr id="1" name=""/>
+        <p:cNvGrpSpPr/>
+        <p:nvPr/>
+      </p:nvGrpSpPr>
+      <p:grpSpPr>
+        <a:xfrm>
+          <a:off x="0" y="0"/>
+          <a:ext cx="0" cy="0"/>
+          <a:chOff x="0" y="0"/>
+          <a:chExt cx="0" cy="0"/>
+        </a:xfrm>
+      </p:grpSpPr>
+      <p:sp>
+        <p:nvSpPr>
+          <p:cNvPr id="2" name="Espace réservé du contenu 1"/>
+          <p:cNvSpPr>
+            <a:spLocks noGrp="1"/>
+          </p:cNvSpPr>
+          <p:nvPr>
+            <p:ph idx="1"/>
+          </p:nvPr>
+        </p:nvSpPr>
+        <p:spPr bwMode="gray">
+          <a:xfrm>
+            <a:off x="468313" y="1131887"/>
+            <a:ext cx="8518669" cy="4681537"/>
+          </a:xfrm>
+        </p:spPr>
+        <p:txBody>
+          <a:bodyPr/>
+          <a:lstStyle/>
+          <a:p>
+            <a:pPr>
+              <a:buFont typeface="Arial" panose="020B0604020202020204" pitchFamily="34" charset="0"/>
+              <a:buChar char="•"/>
+            </a:pPr>
+            <a:r>
+              <a:rPr lang="en-US" dirty="0" smtClean="0"/>
+              <a:t>With callback</a:t>
+            </a:r>
+          </a:p>
+          <a:p>
+            <a:pPr>
+              <a:buFont typeface="Arial" panose="020B0604020202020204" pitchFamily="34" charset="0"/>
+              <a:buChar char="•"/>
+            </a:pPr>
+            <a:endParaRPr lang="en-US" dirty="0"/>
+          </a:p>
+          <a:p>
+            <a:pPr>
+              <a:buFont typeface="Arial" panose="020B0604020202020204" pitchFamily="34" charset="0"/>
+              <a:buChar char="•"/>
+            </a:pPr>
+            <a:endParaRPr lang="en-US" dirty="0" smtClean="0"/>
+          </a:p>
+          <a:p>
+            <a:pPr>
+              <a:buFont typeface="Arial" panose="020B0604020202020204" pitchFamily="34" charset="0"/>
+              <a:buChar char="•"/>
+            </a:pPr>
+            <a:endParaRPr lang="en-US" dirty="0"/>
+          </a:p>
+          <a:p>
+            <a:pPr>
+              <a:buFont typeface="Arial" panose="020B0604020202020204" pitchFamily="34" charset="0"/>
+              <a:buChar char="•"/>
+            </a:pPr>
+            <a:endParaRPr lang="en-US" dirty="0" smtClean="0"/>
+          </a:p>
+          <a:p>
+            <a:pPr>
+              <a:buFont typeface="Arial" panose="020B0604020202020204" pitchFamily="34" charset="0"/>
+              <a:buChar char="•"/>
+            </a:pPr>
+            <a:r>
+              <a:rPr lang="en-US" dirty="0" smtClean="0"/>
+              <a:t>Using $promise</a:t>
+            </a:r>
+            <a:endParaRPr lang="en-US" dirty="0"/>
+          </a:p>
+        </p:txBody>
+      </p:sp>
+      <p:sp>
+        <p:nvSpPr>
+          <p:cNvPr id="3" name="Titre 2"/>
+          <p:cNvSpPr>
+            <a:spLocks noGrp="1"/>
+          </p:cNvSpPr>
+          <p:nvPr>
+            <p:ph type="title"/>
+          </p:nvPr>
+        </p:nvSpPr>
+        <p:spPr bwMode="gray">
+          <a:xfrm>
+            <a:off x="544439" y="260648"/>
+            <a:ext cx="8045374" cy="332546"/>
+          </a:xfrm>
+        </p:spPr>
+        <p:txBody>
+          <a:bodyPr/>
+          <a:lstStyle/>
+          <a:p>
+            <a:r>
+              <a:rPr lang="fr-FR" cap="none" dirty="0" err="1" smtClean="0"/>
+              <a:t>Using</a:t>
+            </a:r>
+            <a:r>
+              <a:rPr lang="fr-FR" cap="none" dirty="0" smtClean="0"/>
+              <a:t> callbacks</a:t>
+            </a:r>
+            <a:endParaRPr lang="en-GB" cap="none" dirty="0"/>
+          </a:p>
+        </p:txBody>
+      </p:sp>
+      <p:sp>
+        <p:nvSpPr>
+          <p:cNvPr id="5" name="Espace réservé du numéro de diapositive 4"/>
+          <p:cNvSpPr>
+            <a:spLocks noGrp="1"/>
+          </p:cNvSpPr>
+          <p:nvPr>
+            <p:ph type="sldNum" sz="quarter" idx="12"/>
+          </p:nvPr>
+        </p:nvSpPr>
+        <p:spPr bwMode="gray"/>
+        <p:txBody>
+          <a:bodyPr/>
+          <a:lstStyle/>
+          <a:p>
+            <a:fld id="{AF43E6FD-AB27-4108-A2FC-346BB5F75E3F}" type="slidenum">
+              <a:rPr lang="fr-FR" smtClean="0"/>
+              <a:pPr/>
+              <a:t>6</a:t>
+            </a:fld>
+            <a:endParaRPr lang="fr-FR" dirty="0"/>
+          </a:p>
+        </p:txBody>
+      </p:sp>
+      <p:sp>
+        <p:nvSpPr>
+          <p:cNvPr id="10" name="Espace réservé du texte 9"/>
+          <p:cNvSpPr>
+            <a:spLocks noGrp="1"/>
+          </p:cNvSpPr>
+          <p:nvPr>
+            <p:ph type="body" sz="quarter" idx="13"/>
+          </p:nvPr>
+        </p:nvSpPr>
+        <p:spPr bwMode="gray"/>
+        <p:txBody>
+          <a:bodyPr/>
+          <a:lstStyle/>
+          <a:p>
+            <a:r>
+              <a:rPr lang="en-GB" cap="none" dirty="0"/>
+              <a:t>	$resource</a:t>
+            </a:r>
+          </a:p>
+        </p:txBody>
+      </p:sp>
+      <p:sp>
+        <p:nvSpPr>
+          <p:cNvPr id="6" name="Espace réservé du pied de page 5"/>
+          <p:cNvSpPr>
+            <a:spLocks noGrp="1"/>
+          </p:cNvSpPr>
+          <p:nvPr>
+            <p:ph type="ftr" sz="quarter" idx="11"/>
+          </p:nvPr>
+        </p:nvSpPr>
+        <p:spPr/>
+        <p:txBody>
+          <a:bodyPr/>
+          <a:lstStyle/>
+          <a:p>
+            <a:r>
+              <a:rPr lang="fr-FR"/>
+              <a:t>Nom de la présentation</a:t>
+            </a:r>
+            <a:endParaRPr lang="fr-FR" dirty="0"/>
+          </a:p>
+        </p:txBody>
+      </p:sp>
+      <p:pic>
+        <p:nvPicPr>
+          <p:cNvPr id="7" name="Image 6"/>
+          <p:cNvPicPr>
+            <a:picLocks noChangeAspect="1"/>
+          </p:cNvPicPr>
+          <p:nvPr/>
+        </p:nvPicPr>
+        <p:blipFill>
+          <a:blip r:embed="rId3">
+            <a:extLst>
+              <a:ext uri="{28A0092B-C50C-407E-A947-70E740481C1C}">
+                <a14:useLocalDpi xmlns:a14="http://schemas.microsoft.com/office/drawing/2010/main" val="0"/>
+              </a:ext>
+            </a:extLst>
+          </a:blip>
+          <a:stretch>
+            <a:fillRect/>
+          </a:stretch>
+        </p:blipFill>
+        <p:spPr>
+          <a:xfrm>
+            <a:off x="1028797" y="1465192"/>
+            <a:ext cx="5593676" cy="2106869"/>
+          </a:xfrm>
+          <a:prstGeom prst="rect">
+            <a:avLst/>
+          </a:prstGeom>
+        </p:spPr>
+      </p:pic>
+      <p:pic>
+        <p:nvPicPr>
+          <p:cNvPr id="8" name="Image 7"/>
+          <p:cNvPicPr>
+            <a:picLocks noChangeAspect="1"/>
+          </p:cNvPicPr>
+          <p:nvPr/>
+        </p:nvPicPr>
+        <p:blipFill>
+          <a:blip r:embed="rId4">
+            <a:extLst>
+              <a:ext uri="{28A0092B-C50C-407E-A947-70E740481C1C}">
+                <a14:useLocalDpi xmlns:a14="http://schemas.microsoft.com/office/drawing/2010/main" val="0"/>
+              </a:ext>
+            </a:extLst>
+          </a:blip>
+          <a:stretch>
+            <a:fillRect/>
+          </a:stretch>
+        </p:blipFill>
+        <p:spPr>
+          <a:xfrm>
+            <a:off x="837431" y="4260844"/>
+            <a:ext cx="5855065" cy="1552579"/>
+          </a:xfrm>
+          <a:prstGeom prst="rect">
+            <a:avLst/>
+          </a:prstGeom>
+        </p:spPr>
+      </p:pic>
+    </p:spTree>
+    <p:extLst>
+      <p:ext uri="{BB962C8B-B14F-4D97-AF65-F5344CB8AC3E}">
+        <p14:creationId xmlns:p14="http://schemas.microsoft.com/office/powerpoint/2010/main" val="1221089158"/>
+      </p:ext>
+    </p:extLst>
+  </p:cSld>
+  <p:clrMapOvr>
+    <a:masterClrMapping/>
+  </p:clrMapOvr>
+</p:sld>
+</file>
+
+<file path=ppt/slides/slide7.xml><?xml version="1.0" encoding="utf-8"?>
+<p:sld xmlns:a="http://schemas.openxmlformats.org/drawingml/2006/main" xmlns:r="http://schemas.openxmlformats.org/officeDocument/2006/relationships" xmlns:p="http://schemas.openxmlformats.org/presentationml/2006/main">
+  <p:cSld>
+    <p:spTree>
+      <p:nvGrpSpPr>
+        <p:cNvPr id="1" name=""/>
+        <p:cNvGrpSpPr/>
+        <p:nvPr/>
+      </p:nvGrpSpPr>
+      <p:grpSpPr>
+        <a:xfrm>
+          <a:off x="0" y="0"/>
+          <a:ext cx="0" cy="0"/>
+          <a:chOff x="0" y="0"/>
+          <a:chExt cx="0" cy="0"/>
+        </a:xfrm>
+      </p:grpSpPr>
+      <p:sp>
+        <p:nvSpPr>
+          <p:cNvPr id="2" name="Espace réservé du contenu 1"/>
+          <p:cNvSpPr>
+            <a:spLocks noGrp="1"/>
+          </p:cNvSpPr>
+          <p:nvPr>
+            <p:ph idx="1"/>
+          </p:nvPr>
+        </p:nvSpPr>
+        <p:spPr bwMode="gray">
+          <a:xfrm>
+            <a:off x="468313" y="1131887"/>
+            <a:ext cx="8518669" cy="4681537"/>
+          </a:xfrm>
+        </p:spPr>
+        <p:txBody>
+          <a:bodyPr/>
+          <a:lstStyle/>
+          <a:p>
+            <a:pPr>
+              <a:buFont typeface="Arial" panose="020B0604020202020204" pitchFamily="34" charset="0"/>
+              <a:buChar char="•"/>
+            </a:pPr>
+            <a:r>
+              <a:rPr lang="en-US" dirty="0"/>
+              <a:t>There is no PUT or PATCH method!</a:t>
+            </a:r>
+          </a:p>
+          <a:p>
+            <a:pPr>
+              <a:buFont typeface="Arial" panose="020B0604020202020204" pitchFamily="34" charset="0"/>
+              <a:buChar char="•"/>
+            </a:pPr>
+            <a:endParaRPr lang="fr-FR" dirty="0"/>
+          </a:p>
+          <a:p>
+            <a:pPr>
+              <a:buFont typeface="Arial" panose="020B0604020202020204" pitchFamily="34" charset="0"/>
+              <a:buChar char="•"/>
+            </a:pPr>
+            <a:endParaRPr lang="en-US" dirty="0"/>
+          </a:p>
+          <a:p>
+            <a:pPr>
+              <a:buFont typeface="Arial" panose="020B0604020202020204" pitchFamily="34" charset="0"/>
+              <a:buChar char="•"/>
+            </a:pPr>
+            <a:endParaRPr lang="en-US" dirty="0" smtClean="0"/>
+          </a:p>
+          <a:p>
+            <a:pPr>
+              <a:buFont typeface="Arial" panose="020B0604020202020204" pitchFamily="34" charset="0"/>
+              <a:buChar char="•"/>
+            </a:pPr>
+            <a:endParaRPr lang="en-US" dirty="0" smtClean="0"/>
+          </a:p>
+          <a:p>
+            <a:pPr>
+              <a:buFont typeface="Arial" panose="020B0604020202020204" pitchFamily="34" charset="0"/>
+              <a:buChar char="•"/>
+            </a:pPr>
+            <a:r>
+              <a:rPr lang="en-US" dirty="0" smtClean="0"/>
+              <a:t>Why?</a:t>
+            </a:r>
+          </a:p>
+          <a:p>
+            <a:pPr lvl="1">
+              <a:buFont typeface="Arial" panose="020B0604020202020204" pitchFamily="34" charset="0"/>
+              <a:buChar char="•"/>
+            </a:pPr>
+            <a:r>
+              <a:rPr lang="en-US" dirty="0" smtClean="0"/>
+              <a:t>Different </a:t>
+            </a:r>
+            <a:r>
+              <a:rPr lang="en-US" dirty="0" err="1" smtClean="0"/>
+              <a:t>backends</a:t>
+            </a:r>
+            <a:r>
+              <a:rPr lang="en-US" dirty="0" smtClean="0"/>
+              <a:t> got different opinion on the HTTP verb being used for update: PUT, POST or PATCH</a:t>
+            </a:r>
+          </a:p>
+          <a:p>
+            <a:pPr lvl="1">
+              <a:buFont typeface="Arial" panose="020B0604020202020204" pitchFamily="34" charset="0"/>
+              <a:buChar char="•"/>
+            </a:pPr>
+            <a:r>
+              <a:rPr lang="en-US" dirty="0" smtClean="0"/>
+              <a:t>How to identify the item to update</a:t>
+            </a:r>
+            <a:endParaRPr lang="en-US" dirty="0"/>
+          </a:p>
+        </p:txBody>
+      </p:sp>
+      <p:sp>
+        <p:nvSpPr>
+          <p:cNvPr id="3" name="Titre 2"/>
+          <p:cNvSpPr>
+            <a:spLocks noGrp="1"/>
+          </p:cNvSpPr>
+          <p:nvPr>
+            <p:ph type="title"/>
+          </p:nvPr>
+        </p:nvSpPr>
+        <p:spPr bwMode="gray">
+          <a:xfrm>
+            <a:off x="544439" y="260648"/>
+            <a:ext cx="8045374" cy="332546"/>
+          </a:xfrm>
+        </p:spPr>
+        <p:txBody>
+          <a:bodyPr/>
+          <a:lstStyle/>
+          <a:p>
+            <a:r>
+              <a:rPr lang="fr-FR" cap="none" dirty="0"/>
+              <a:t>How to update an </a:t>
+            </a:r>
+            <a:r>
+              <a:rPr lang="fr-FR" cap="none" dirty="0" err="1"/>
+              <a:t>element</a:t>
+            </a:r>
+            <a:r>
+              <a:rPr lang="fr-FR" cap="none" dirty="0"/>
+              <a:t> </a:t>
+            </a:r>
+            <a:r>
+              <a:rPr lang="fr-FR" cap="none" dirty="0" err="1"/>
+              <a:t>with</a:t>
+            </a:r>
+            <a:r>
+              <a:rPr lang="fr-FR" cap="none" dirty="0"/>
+              <a:t> $</a:t>
+            </a:r>
+            <a:r>
+              <a:rPr lang="fr-FR" cap="none" dirty="0" err="1"/>
+              <a:t>resource</a:t>
+            </a:r>
+            <a:r>
+              <a:rPr lang="fr-FR" cap="none" dirty="0"/>
+              <a:t>?</a:t>
+            </a:r>
+            <a:endParaRPr lang="en-GB" cap="none" dirty="0"/>
+          </a:p>
+        </p:txBody>
+      </p:sp>
+      <p:sp>
+        <p:nvSpPr>
+          <p:cNvPr id="5" name="Espace réservé du numéro de diapositive 4"/>
+          <p:cNvSpPr>
+            <a:spLocks noGrp="1"/>
+          </p:cNvSpPr>
+          <p:nvPr>
+            <p:ph type="sldNum" sz="quarter" idx="12"/>
+          </p:nvPr>
+        </p:nvSpPr>
+        <p:spPr bwMode="gray"/>
+        <p:txBody>
+          <a:bodyPr/>
+          <a:lstStyle/>
+          <a:p>
+            <a:fld id="{AF43E6FD-AB27-4108-A2FC-346BB5F75E3F}" type="slidenum">
+              <a:rPr lang="fr-FR" smtClean="0"/>
+              <a:pPr/>
+              <a:t>7</a:t>
+            </a:fld>
+            <a:endParaRPr lang="fr-FR" dirty="0"/>
+          </a:p>
+        </p:txBody>
+      </p:sp>
+      <p:sp>
+        <p:nvSpPr>
+          <p:cNvPr id="10" name="Espace réservé du texte 9"/>
+          <p:cNvSpPr>
+            <a:spLocks noGrp="1"/>
+          </p:cNvSpPr>
+          <p:nvPr>
+            <p:ph type="body" sz="quarter" idx="13"/>
+          </p:nvPr>
+        </p:nvSpPr>
+        <p:spPr bwMode="gray"/>
+        <p:txBody>
+          <a:bodyPr/>
+          <a:lstStyle/>
+          <a:p>
+            <a:r>
+              <a:rPr lang="en-GB" cap="none" dirty="0"/>
+              <a:t>	$resource</a:t>
+            </a:r>
+          </a:p>
+        </p:txBody>
+      </p:sp>
+      <p:sp>
+        <p:nvSpPr>
+          <p:cNvPr id="6" name="Espace réservé du pied de page 5"/>
+          <p:cNvSpPr>
+            <a:spLocks noGrp="1"/>
+          </p:cNvSpPr>
+          <p:nvPr>
+            <p:ph type="ftr" sz="quarter" idx="11"/>
+          </p:nvPr>
+        </p:nvSpPr>
+        <p:spPr/>
+        <p:txBody>
+          <a:bodyPr/>
+          <a:lstStyle/>
+          <a:p>
+            <a:r>
+              <a:rPr lang="fr-FR"/>
+              <a:t>Nom de la présentation</a:t>
+            </a:r>
+            <a:endParaRPr lang="fr-FR" dirty="0"/>
+          </a:p>
+        </p:txBody>
+      </p:sp>
+      <p:pic>
+        <p:nvPicPr>
+          <p:cNvPr id="9" name="Image 8"/>
+          <p:cNvPicPr>
+            <a:picLocks noChangeAspect="1"/>
+          </p:cNvPicPr>
+          <p:nvPr/>
+        </p:nvPicPr>
+        <p:blipFill>
+          <a:blip r:embed="rId3">
+            <a:extLst>
+              <a:ext uri="{28A0092B-C50C-407E-A947-70E740481C1C}">
+                <a14:useLocalDpi xmlns:a14="http://schemas.microsoft.com/office/drawing/2010/main" val="0"/>
+              </a:ext>
+            </a:extLst>
+          </a:blip>
+          <a:stretch>
+            <a:fillRect/>
+          </a:stretch>
+        </p:blipFill>
+        <p:spPr>
+          <a:xfrm>
+            <a:off x="1572920" y="1772301"/>
+            <a:ext cx="5188489" cy="1672863"/>
+          </a:xfrm>
+          <a:prstGeom prst="rect">
+            <a:avLst/>
+          </a:prstGeom>
+        </p:spPr>
+      </p:pic>
+    </p:spTree>
+    <p:extLst>
+      <p:ext uri="{BB962C8B-B14F-4D97-AF65-F5344CB8AC3E}">
+        <p14:creationId xmlns:p14="http://schemas.microsoft.com/office/powerpoint/2010/main" val="188748695"/>
+      </p:ext>
+    </p:extLst>
+  </p:cSld>
+  <p:clrMapOvr>
+    <a:masterClrMapping/>
+  </p:clrMapOvr>
+</p:sld>
+</file>
+
+<file path=ppt/slides/slide8.xml><?xml version="1.0" encoding="utf-8"?>
+<p:sld xmlns:a="http://schemas.openxmlformats.org/drawingml/2006/main" xmlns:r="http://schemas.openxmlformats.org/officeDocument/2006/relationships" xmlns:p="http://schemas.openxmlformats.org/presentationml/2006/main">
+  <p:cSld>
+    <p:spTree>
+      <p:nvGrpSpPr>
+        <p:cNvPr id="1" name=""/>
+        <p:cNvGrpSpPr/>
+        <p:nvPr/>
+      </p:nvGrpSpPr>
+      <p:grpSpPr>
+        <a:xfrm>
+          <a:off x="0" y="0"/>
+          <a:ext cx="0" cy="0"/>
+          <a:chOff x="0" y="0"/>
+          <a:chExt cx="0" cy="0"/>
+        </a:xfrm>
+      </p:grpSpPr>
+      <p:sp>
+        <p:nvSpPr>
+          <p:cNvPr id="2" name="Espace réservé du contenu 1"/>
+          <p:cNvSpPr>
+            <a:spLocks noGrp="1"/>
+          </p:cNvSpPr>
+          <p:nvPr>
+            <p:ph idx="1"/>
+          </p:nvPr>
+        </p:nvSpPr>
+        <p:spPr bwMode="gray">
+          <a:xfrm>
+            <a:off x="468313" y="1131887"/>
+            <a:ext cx="8518669" cy="4681537"/>
+          </a:xfrm>
+        </p:spPr>
+        <p:txBody>
+          <a:bodyPr/>
+          <a:lstStyle/>
+          <a:p>
+            <a:pPr>
+              <a:buFont typeface="Arial" panose="020B0604020202020204" pitchFamily="34" charset="0"/>
+              <a:buChar char="•"/>
+            </a:pPr>
+            <a:r>
+              <a:rPr lang="en-US" dirty="0" smtClean="0"/>
+              <a:t>Everybody have to create his own update method, for </a:t>
+            </a:r>
+            <a:r>
+              <a:rPr lang="en-US" dirty="0" err="1" smtClean="0"/>
+              <a:t>exemple</a:t>
+            </a:r>
+            <a:r>
+              <a:rPr lang="en-US" dirty="0" smtClean="0"/>
+              <a:t>:</a:t>
+            </a:r>
+            <a:endParaRPr lang="en-US" dirty="0"/>
+          </a:p>
+        </p:txBody>
+      </p:sp>
+      <p:sp>
+        <p:nvSpPr>
+          <p:cNvPr id="3" name="Titre 2"/>
+          <p:cNvSpPr>
+            <a:spLocks noGrp="1"/>
+          </p:cNvSpPr>
+          <p:nvPr>
+            <p:ph type="title"/>
+          </p:nvPr>
+        </p:nvSpPr>
+        <p:spPr bwMode="gray">
+          <a:xfrm>
+            <a:off x="544439" y="260648"/>
+            <a:ext cx="8045374" cy="332546"/>
+          </a:xfrm>
+        </p:spPr>
+        <p:txBody>
+          <a:bodyPr/>
+          <a:lstStyle/>
+          <a:p>
+            <a:r>
+              <a:rPr lang="fr-FR" cap="none" dirty="0" smtClean="0"/>
+              <a:t>How to update an </a:t>
+            </a:r>
+            <a:r>
+              <a:rPr lang="fr-FR" cap="none" dirty="0" err="1" smtClean="0"/>
+              <a:t>element</a:t>
+            </a:r>
+            <a:r>
+              <a:rPr lang="fr-FR" cap="none" dirty="0" smtClean="0"/>
+              <a:t> </a:t>
+            </a:r>
+            <a:r>
+              <a:rPr lang="fr-FR" cap="none" dirty="0" err="1" smtClean="0"/>
+              <a:t>with</a:t>
+            </a:r>
+            <a:r>
+              <a:rPr lang="fr-FR" cap="none" dirty="0" smtClean="0"/>
+              <a:t> $</a:t>
+            </a:r>
+            <a:r>
+              <a:rPr lang="fr-FR" cap="none" dirty="0" err="1" smtClean="0"/>
+              <a:t>resource</a:t>
+            </a:r>
+            <a:r>
+              <a:rPr lang="fr-FR" cap="none" dirty="0" smtClean="0"/>
+              <a:t>?</a:t>
+            </a:r>
+            <a:endParaRPr lang="en-GB" cap="none" dirty="0"/>
+          </a:p>
+        </p:txBody>
+      </p:sp>
+      <p:sp>
+        <p:nvSpPr>
+          <p:cNvPr id="5" name="Espace réservé du numéro de diapositive 4"/>
+          <p:cNvSpPr>
+            <a:spLocks noGrp="1"/>
+          </p:cNvSpPr>
+          <p:nvPr>
+            <p:ph type="sldNum" sz="quarter" idx="12"/>
+          </p:nvPr>
+        </p:nvSpPr>
+        <p:spPr bwMode="gray"/>
+        <p:txBody>
+          <a:bodyPr/>
+          <a:lstStyle/>
+          <a:p>
+            <a:fld id="{AF43E6FD-AB27-4108-A2FC-346BB5F75E3F}" type="slidenum">
+              <a:rPr lang="fr-FR" smtClean="0"/>
+              <a:pPr/>
+              <a:t>8</a:t>
+            </a:fld>
+            <a:endParaRPr lang="fr-FR" dirty="0"/>
+          </a:p>
+        </p:txBody>
+      </p:sp>
+      <p:sp>
+        <p:nvSpPr>
+          <p:cNvPr id="10" name="Espace réservé du texte 9"/>
+          <p:cNvSpPr>
+            <a:spLocks noGrp="1"/>
+          </p:cNvSpPr>
+          <p:nvPr>
+            <p:ph type="body" sz="quarter" idx="13"/>
+          </p:nvPr>
+        </p:nvSpPr>
+        <p:spPr bwMode="gray"/>
+        <p:txBody>
+          <a:bodyPr/>
+          <a:lstStyle/>
+          <a:p>
+            <a:r>
+              <a:rPr lang="en-GB" cap="none" dirty="0"/>
+              <a:t>	$resource</a:t>
+            </a:r>
+          </a:p>
+        </p:txBody>
+      </p:sp>
+      <p:sp>
+        <p:nvSpPr>
+          <p:cNvPr id="6" name="Espace réservé du pied de page 5"/>
+          <p:cNvSpPr>
+            <a:spLocks noGrp="1"/>
+          </p:cNvSpPr>
+          <p:nvPr>
+            <p:ph type="ftr" sz="quarter" idx="11"/>
+          </p:nvPr>
+        </p:nvSpPr>
+        <p:spPr/>
+        <p:txBody>
+          <a:bodyPr/>
+          <a:lstStyle/>
+          <a:p>
+            <a:r>
+              <a:rPr lang="fr-FR"/>
+              <a:t>Nom de la présentation</a:t>
+            </a:r>
+            <a:endParaRPr lang="fr-FR" dirty="0"/>
+          </a:p>
+        </p:txBody>
+      </p:sp>
+      <p:pic>
+        <p:nvPicPr>
+          <p:cNvPr id="4" name="Image 3"/>
+          <p:cNvPicPr>
+            <a:picLocks noChangeAspect="1"/>
+          </p:cNvPicPr>
+          <p:nvPr/>
+        </p:nvPicPr>
+        <p:blipFill>
+          <a:blip r:embed="rId3">
+            <a:extLst>
+              <a:ext uri="{28A0092B-C50C-407E-A947-70E740481C1C}">
+                <a14:useLocalDpi xmlns:a14="http://schemas.microsoft.com/office/drawing/2010/main" val="0"/>
+              </a:ext>
+            </a:extLst>
+          </a:blip>
+          <a:stretch>
+            <a:fillRect/>
+          </a:stretch>
+        </p:blipFill>
+        <p:spPr>
+          <a:xfrm>
+            <a:off x="531466" y="1465192"/>
+            <a:ext cx="6700607" cy="4968625"/>
+          </a:xfrm>
+          <a:prstGeom prst="rect">
+            <a:avLst/>
+          </a:prstGeom>
+        </p:spPr>
+      </p:pic>
+    </p:spTree>
+    <p:extLst>
+      <p:ext uri="{BB962C8B-B14F-4D97-AF65-F5344CB8AC3E}">
+        <p14:creationId xmlns:p14="http://schemas.microsoft.com/office/powerpoint/2010/main" val="3005435858"/>
+      </p:ext>
+    </p:extLst>
+  </p:cSld>
+  <p:clrMapOvr>
+    <a:masterClrMapping/>
+  </p:clrMapOvr>
+</p:sld>
+</file>
+
+<file path=ppt/slides/slide9.xml><?xml version="1.0" encoding="utf-8"?>
+<p:sld xmlns:a="http://schemas.openxmlformats.org/drawingml/2006/main" xmlns:r="http://schemas.openxmlformats.org/officeDocument/2006/relationships" xmlns:p="http://schemas.openxmlformats.org/presentationml/2006/main">
+  <p:cSld>
+    <p:spTree>
+      <p:nvGrpSpPr>
+        <p:cNvPr id="1" name=""/>
+        <p:cNvGrpSpPr/>
+        <p:nvPr/>
+      </p:nvGrpSpPr>
+      <p:grpSpPr>
+        <a:xfrm>
+          <a:off x="0" y="0"/>
+          <a:ext cx="0" cy="0"/>
+          <a:chOff x="0" y="0"/>
+          <a:chExt cx="0" cy="0"/>
+        </a:xfrm>
+      </p:grpSpPr>
+      <p:sp>
+        <p:nvSpPr>
+          <p:cNvPr id="2" name="Espace réservé du contenu 1"/>
+          <p:cNvSpPr>
+            <a:spLocks noGrp="1"/>
+          </p:cNvSpPr>
+          <p:nvPr>
+            <p:ph idx="1"/>
+          </p:nvPr>
+        </p:nvSpPr>
+        <p:spPr bwMode="gray">
+          <a:xfrm>
+            <a:off x="468313" y="1131887"/>
+            <a:ext cx="8518669" cy="4681537"/>
+          </a:xfrm>
+        </p:spPr>
+        <p:txBody>
+          <a:bodyPr/>
+          <a:lstStyle/>
+          <a:p>
+            <a:pPr>
+              <a:buFont typeface="Arial" panose="020B0604020202020204" pitchFamily="34" charset="0"/>
+              <a:buChar char="•"/>
+            </a:pPr>
+            <a:r>
+              <a:rPr lang="en-US" dirty="0"/>
+              <a:t>If an action's configuration specifies that it is cancellable, you can cancel the request related to an instance or collection (as long as it is a result of a "non-instance" call):</a:t>
+            </a:r>
+            <a:endParaRPr lang="en-US" dirty="0"/>
+          </a:p>
+        </p:txBody>
+      </p:sp>
+      <p:sp>
+        <p:nvSpPr>
+          <p:cNvPr id="3" name="Titre 2"/>
+          <p:cNvSpPr>
+            <a:spLocks noGrp="1"/>
+          </p:cNvSpPr>
+          <p:nvPr>
+            <p:ph type="title"/>
+          </p:nvPr>
+        </p:nvSpPr>
+        <p:spPr bwMode="gray">
+          <a:xfrm>
+            <a:off x="544439" y="260648"/>
+            <a:ext cx="8045374" cy="332546"/>
+          </a:xfrm>
+        </p:spPr>
+        <p:txBody>
+          <a:bodyPr/>
+          <a:lstStyle/>
+          <a:p>
+            <a:r>
+              <a:rPr lang="fr-FR" dirty="0" err="1"/>
+              <a:t>Cancelling</a:t>
+            </a:r>
+            <a:r>
+              <a:rPr lang="fr-FR" dirty="0"/>
+              <a:t> </a:t>
+            </a:r>
+            <a:r>
+              <a:rPr lang="fr-FR" dirty="0" err="1"/>
+              <a:t>requests</a:t>
+            </a:r>
+            <a:endParaRPr lang="fr-FR" dirty="0"/>
+          </a:p>
+        </p:txBody>
+      </p:sp>
+      <p:sp>
+        <p:nvSpPr>
+          <p:cNvPr id="5" name="Espace réservé du numéro de diapositive 4"/>
+          <p:cNvSpPr>
+            <a:spLocks noGrp="1"/>
+          </p:cNvSpPr>
+          <p:nvPr>
+            <p:ph type="sldNum" sz="quarter" idx="12"/>
+          </p:nvPr>
+        </p:nvSpPr>
+        <p:spPr bwMode="gray"/>
+        <p:txBody>
+          <a:bodyPr/>
+          <a:lstStyle/>
+          <a:p>
+            <a:fld id="{AF43E6FD-AB27-4108-A2FC-346BB5F75E3F}" type="slidenum">
+              <a:rPr lang="fr-FR" smtClean="0"/>
+              <a:pPr/>
+              <a:t>9</a:t>
+            </a:fld>
+            <a:endParaRPr lang="fr-FR" dirty="0"/>
+          </a:p>
+        </p:txBody>
+      </p:sp>
+      <p:sp>
+        <p:nvSpPr>
+          <p:cNvPr id="10" name="Espace réservé du texte 9"/>
+          <p:cNvSpPr>
+            <a:spLocks noGrp="1"/>
+          </p:cNvSpPr>
+          <p:nvPr>
+            <p:ph type="body" sz="quarter" idx="13"/>
+          </p:nvPr>
+        </p:nvSpPr>
+        <p:spPr bwMode="gray"/>
+        <p:txBody>
+          <a:bodyPr/>
+          <a:lstStyle/>
+          <a:p>
+            <a:r>
+              <a:rPr lang="en-GB" cap="none" dirty="0"/>
+              <a:t>	$resource</a:t>
+            </a:r>
+          </a:p>
+        </p:txBody>
+      </p:sp>
+      <p:sp>
+        <p:nvSpPr>
+          <p:cNvPr id="6" name="Espace réservé du pied de page 5"/>
+          <p:cNvSpPr>
+            <a:spLocks noGrp="1"/>
+          </p:cNvSpPr>
+          <p:nvPr>
+            <p:ph type="ftr" sz="quarter" idx="11"/>
+          </p:nvPr>
+        </p:nvSpPr>
+        <p:spPr/>
+        <p:txBody>
+          <a:bodyPr/>
+          <a:lstStyle/>
+          <a:p>
+            <a:r>
+              <a:rPr lang="fr-FR"/>
+              <a:t>Nom de la présentation</a:t>
+            </a:r>
+            <a:endParaRPr lang="fr-FR" dirty="0"/>
+          </a:p>
+        </p:txBody>
+      </p:sp>
+      <p:pic>
+        <p:nvPicPr>
+          <p:cNvPr id="7" name="Image 6"/>
+          <p:cNvPicPr>
+            <a:picLocks noChangeAspect="1"/>
+          </p:cNvPicPr>
+          <p:nvPr/>
+        </p:nvPicPr>
+        <p:blipFill>
+          <a:blip r:embed="rId3">
+            <a:extLst>
+              <a:ext uri="{28A0092B-C50C-407E-A947-70E740481C1C}">
+                <a14:useLocalDpi xmlns:a14="http://schemas.microsoft.com/office/drawing/2010/main" val="0"/>
+              </a:ext>
+            </a:extLst>
+          </a:blip>
+          <a:stretch>
+            <a:fillRect/>
+          </a:stretch>
+        </p:blipFill>
+        <p:spPr>
+          <a:xfrm>
+            <a:off x="1009216" y="2275545"/>
+            <a:ext cx="6564602" cy="3743267"/>
+          </a:xfrm>
+          <a:prstGeom prst="rect">
+            <a:avLst/>
+          </a:prstGeom>
+        </p:spPr>
+      </p:pic>
+    </p:spTree>
+    <p:extLst>
+      <p:ext uri="{BB962C8B-B14F-4D97-AF65-F5344CB8AC3E}">
+        <p14:creationId xmlns:p14="http://schemas.microsoft.com/office/powerpoint/2010/main" val="259603536"/>
       </p:ext>
     </p:extLst>
   </p:cSld>

--- a/Jour2/10 $resource/10_$ressource.pptx
+++ b/Jour2/10 $resource/10_$ressource.pptx
@@ -5,10 +5,10 @@
     <p:sldMasterId id="2147483648" r:id="rId1"/>
   </p:sldMasterIdLst>
   <p:notesMasterIdLst>
-    <p:notesMasterId r:id="rId11"/>
+    <p:notesMasterId r:id="rId12"/>
   </p:notesMasterIdLst>
   <p:handoutMasterIdLst>
-    <p:handoutMasterId r:id="rId12"/>
+    <p:handoutMasterId r:id="rId13"/>
   </p:handoutMasterIdLst>
   <p:sldIdLst>
     <p:sldId id="410" r:id="rId2"/>
@@ -20,6 +20,7 @@
     <p:sldId id="412" r:id="rId8"/>
     <p:sldId id="413" r:id="rId9"/>
     <p:sldId id="414" r:id="rId10"/>
+    <p:sldId id="415" r:id="rId11"/>
   </p:sldIdLst>
   <p:sldSz cx="9144000" cy="6858000" type="screen4x3"/>
   <p:notesSz cx="7104063" cy="10234613"/>
@@ -290,7 +291,7 @@
             <a:fld id="{87731427-D242-475D-9180-8940013A50B8}" type="datetimeFigureOut">
               <a:rPr lang="en-GB" smtClean="0"/>
               <a:pPr algn="l"/>
-              <a:t>18/11/2016</a:t>
+              <a:t>21/11/2016</a:t>
             </a:fld>
             <a:endParaRPr lang="en-GB" dirty="0"/>
           </a:p>
@@ -495,7 +496,7 @@
             <a:fld id="{BA521D56-F1F4-41A0-82EB-989F4F6F400D}" type="datetimeFigureOut">
               <a:rPr lang="fr-FR" smtClean="0"/>
               <a:pPr/>
-              <a:t>18/11/2016</a:t>
+              <a:t>21/11/2016</a:t>
             </a:fld>
             <a:endParaRPr lang="fr-FR"/>
           </a:p>
@@ -1023,7 +1024,7 @@
             <a:fld id="{973B10A7-8A2B-4F39-8160-83B51E5E9C07}" type="datetime1">
               <a:rPr lang="fr-FR" smtClean="0"/>
               <a:pPr/>
-              <a:t>18/11/2016</a:t>
+              <a:t>21/11/2016</a:t>
             </a:fld>
             <a:endParaRPr lang="fr-FR"/>
           </a:p>
@@ -1159,7 +1160,7 @@
             <a:fld id="{973B10A7-8A2B-4F39-8160-83B51E5E9C07}" type="datetime1">
               <a:rPr lang="fr-FR" smtClean="0"/>
               <a:pPr/>
-              <a:t>18/11/2016</a:t>
+              <a:t>21/11/2016</a:t>
             </a:fld>
             <a:endParaRPr lang="fr-FR"/>
           </a:p>
@@ -1295,7 +1296,7 @@
             <a:fld id="{973B10A7-8A2B-4F39-8160-83B51E5E9C07}" type="datetime1">
               <a:rPr lang="fr-FR" smtClean="0"/>
               <a:pPr/>
-              <a:t>18/11/2016</a:t>
+              <a:t>21/11/2016</a:t>
             </a:fld>
             <a:endParaRPr lang="fr-FR"/>
           </a:p>
@@ -1431,7 +1432,7 @@
             <a:fld id="{973B10A7-8A2B-4F39-8160-83B51E5E9C07}" type="datetime1">
               <a:rPr lang="fr-FR" smtClean="0"/>
               <a:pPr/>
-              <a:t>18/11/2016</a:t>
+              <a:t>21/11/2016</a:t>
             </a:fld>
             <a:endParaRPr lang="fr-FR"/>
           </a:p>
@@ -1567,7 +1568,7 @@
             <a:fld id="{973B10A7-8A2B-4F39-8160-83B51E5E9C07}" type="datetime1">
               <a:rPr lang="fr-FR" smtClean="0"/>
               <a:pPr/>
-              <a:t>18/11/2016</a:t>
+              <a:t>21/11/2016</a:t>
             </a:fld>
             <a:endParaRPr lang="fr-FR"/>
           </a:p>
@@ -1703,7 +1704,7 @@
             <a:fld id="{973B10A7-8A2B-4F39-8160-83B51E5E9C07}" type="datetime1">
               <a:rPr lang="fr-FR" smtClean="0"/>
               <a:pPr/>
-              <a:t>18/11/2016</a:t>
+              <a:t>21/11/2016</a:t>
             </a:fld>
             <a:endParaRPr lang="fr-FR"/>
           </a:p>
@@ -1839,7 +1840,7 @@
             <a:fld id="{973B10A7-8A2B-4F39-8160-83B51E5E9C07}" type="datetime1">
               <a:rPr lang="fr-FR" smtClean="0"/>
               <a:pPr/>
-              <a:t>18/11/2016</a:t>
+              <a:t>21/11/2016</a:t>
             </a:fld>
             <a:endParaRPr lang="fr-FR"/>
           </a:p>
@@ -1975,7 +1976,7 @@
             <a:fld id="{973B10A7-8A2B-4F39-8160-83B51E5E9C07}" type="datetime1">
               <a:rPr lang="fr-FR" smtClean="0"/>
               <a:pPr/>
-              <a:t>18/11/2016</a:t>
+              <a:t>21/11/2016</a:t>
             </a:fld>
             <a:endParaRPr lang="fr-FR"/>
           </a:p>
@@ -1985,6 +1986,142 @@
     <p:extLst>
       <p:ext uri="{BB962C8B-B14F-4D97-AF65-F5344CB8AC3E}">
         <p14:creationId xmlns:p14="http://schemas.microsoft.com/office/powerpoint/2010/main" val="2857979204"/>
+      </p:ext>
+    </p:extLst>
+  </p:cSld>
+  <p:clrMapOvr>
+    <a:masterClrMapping/>
+  </p:clrMapOvr>
+</p:notes>
+</file>
+
+<file path=ppt/notesSlides/notesSlide9.xml><?xml version="1.0" encoding="utf-8"?>
+<p:notes xmlns:a="http://schemas.openxmlformats.org/drawingml/2006/main" xmlns:r="http://schemas.openxmlformats.org/officeDocument/2006/relationships" xmlns:p="http://schemas.openxmlformats.org/presentationml/2006/main">
+  <p:cSld>
+    <p:spTree>
+      <p:nvGrpSpPr>
+        <p:cNvPr id="1" name=""/>
+        <p:cNvGrpSpPr/>
+        <p:nvPr/>
+      </p:nvGrpSpPr>
+      <p:grpSpPr>
+        <a:xfrm>
+          <a:off x="0" y="0"/>
+          <a:ext cx="0" cy="0"/>
+          <a:chOff x="0" y="0"/>
+          <a:chExt cx="0" cy="0"/>
+        </a:xfrm>
+      </p:grpSpPr>
+      <p:sp>
+        <p:nvSpPr>
+          <p:cNvPr id="10" name="Espace réservé de l'image des diapositives 9"/>
+          <p:cNvSpPr>
+            <a:spLocks noGrp="1" noRot="1" noChangeAspect="1"/>
+          </p:cNvSpPr>
+          <p:nvPr>
+            <p:ph type="sldImg"/>
+          </p:nvPr>
+        </p:nvSpPr>
+        <p:spPr/>
+      </p:sp>
+      <p:sp>
+        <p:nvSpPr>
+          <p:cNvPr id="11" name="Espace réservé des commentaires 10"/>
+          <p:cNvSpPr>
+            <a:spLocks noGrp="1"/>
+          </p:cNvSpPr>
+          <p:nvPr>
+            <p:ph type="body" idx="1"/>
+          </p:nvPr>
+        </p:nvSpPr>
+        <p:spPr/>
+        <p:txBody>
+          <a:bodyPr/>
+          <a:lstStyle/>
+          <a:p>
+            <a:endParaRPr lang="fr-FR"/>
+          </a:p>
+        </p:txBody>
+      </p:sp>
+      <p:sp>
+        <p:nvSpPr>
+          <p:cNvPr id="14" name="Espace réservé du pied de page 13"/>
+          <p:cNvSpPr>
+            <a:spLocks noGrp="1"/>
+          </p:cNvSpPr>
+          <p:nvPr>
+            <p:ph type="ftr" sz="quarter" idx="12"/>
+          </p:nvPr>
+        </p:nvSpPr>
+        <p:spPr/>
+        <p:txBody>
+          <a:bodyPr/>
+          <a:lstStyle/>
+          <a:p>
+            <a:r>
+              <a:rPr lang="en-GB" sz="1100" dirty="0"/>
+              <a:t>Titre de la </a:t>
+            </a:r>
+            <a:r>
+              <a:rPr lang="en-GB" sz="1100" dirty="0" err="1"/>
+              <a:t>présentation</a:t>
+            </a:r>
+            <a:endParaRPr lang="en-GB" sz="1100" dirty="0"/>
+          </a:p>
+        </p:txBody>
+      </p:sp>
+      <p:sp>
+        <p:nvSpPr>
+          <p:cNvPr id="15" name="Espace réservé du numéro de diapositive 14"/>
+          <p:cNvSpPr>
+            <a:spLocks noGrp="1"/>
+          </p:cNvSpPr>
+          <p:nvPr>
+            <p:ph type="sldNum" sz="quarter" idx="13"/>
+          </p:nvPr>
+        </p:nvSpPr>
+        <p:spPr/>
+        <p:txBody>
+          <a:bodyPr/>
+          <a:lstStyle/>
+          <a:p>
+            <a:fld id="{305287CA-3E72-4A91-B59B-B69F40801570}" type="slidenum">
+              <a:rPr lang="en-GB" sz="1100" smtClean="0"/>
+              <a:pPr/>
+              <a:t>10</a:t>
+            </a:fld>
+            <a:endParaRPr lang="en-GB" sz="1100" dirty="0"/>
+          </a:p>
+        </p:txBody>
+      </p:sp>
+      <p:sp>
+        <p:nvSpPr>
+          <p:cNvPr id="2" name="Espace réservé de la date 1"/>
+          <p:cNvSpPr>
+            <a:spLocks noGrp="1"/>
+          </p:cNvSpPr>
+          <p:nvPr>
+            <p:ph type="dt" idx="14"/>
+          </p:nvPr>
+        </p:nvSpPr>
+        <p:spPr/>
+        <p:txBody>
+          <a:bodyPr/>
+          <a:lstStyle/>
+          <a:p>
+            <a:fld id="{973B10A7-8A2B-4F39-8160-83B51E5E9C07}" type="datetime1">
+              <a:rPr lang="fr-FR" smtClean="0"/>
+              <a:pPr/>
+              <a:t>21/11/2016</a:t>
+            </a:fld>
+            <a:endParaRPr lang="fr-FR"/>
+          </a:p>
+        </p:txBody>
+      </p:sp>
+    </p:spTree>
+    <p:extLst>
+      <p:ext uri="{BB962C8B-B14F-4D97-AF65-F5344CB8AC3E}">
+        <p14:creationId xmlns:p14="http://schemas.microsoft.com/office/powerpoint/2010/main" val="776022529"/>
       </p:ext>
     </p:extLst>
   </p:cSld>
@@ -9842,6 +9979,356 @@
 </p:sld>
 </file>
 
+<file path=ppt/slides/slide10.xml><?xml version="1.0" encoding="utf-8"?>
+<p:sld xmlns:a="http://schemas.openxmlformats.org/drawingml/2006/main" xmlns:r="http://schemas.openxmlformats.org/officeDocument/2006/relationships" xmlns:p="http://schemas.openxmlformats.org/presentationml/2006/main">
+  <p:cSld>
+    <p:spTree>
+      <p:nvGrpSpPr>
+        <p:cNvPr id="1" name=""/>
+        <p:cNvGrpSpPr/>
+        <p:nvPr/>
+      </p:nvGrpSpPr>
+      <p:grpSpPr>
+        <a:xfrm>
+          <a:off x="0" y="0"/>
+          <a:ext cx="0" cy="0"/>
+          <a:chOff x="0" y="0"/>
+          <a:chExt cx="0" cy="0"/>
+        </a:xfrm>
+      </p:grpSpPr>
+      <p:sp>
+        <p:nvSpPr>
+          <p:cNvPr id="2" name="Espace réservé du contenu 1"/>
+          <p:cNvSpPr>
+            <a:spLocks noGrp="1"/>
+          </p:cNvSpPr>
+          <p:nvPr>
+            <p:ph idx="1"/>
+          </p:nvPr>
+        </p:nvSpPr>
+        <p:spPr bwMode="gray">
+          <a:xfrm>
+            <a:off x="468313" y="1131887"/>
+            <a:ext cx="8518669" cy="4681537"/>
+          </a:xfrm>
+        </p:spPr>
+        <p:txBody>
+          <a:bodyPr/>
+          <a:lstStyle/>
+          <a:p>
+            <a:r>
+              <a:rPr lang="fr-FR" sz="1800" dirty="0"/>
+              <a:t>Le but du TP est d'utiliser le service </a:t>
+            </a:r>
+            <a:r>
+              <a:rPr lang="fr-FR" sz="1600" dirty="0"/>
+              <a:t>$</a:t>
+            </a:r>
+            <a:r>
+              <a:rPr lang="fr-FR" sz="1600" dirty="0" err="1"/>
+              <a:t>resource</a:t>
+            </a:r>
+            <a:r>
+              <a:rPr lang="fr-FR" sz="1800" dirty="0"/>
+              <a:t> pour faire </a:t>
+            </a:r>
+            <a:r>
+              <a:rPr lang="fr-FR" sz="1800" dirty="0" err="1"/>
+              <a:t>interagire</a:t>
+            </a:r>
+            <a:r>
+              <a:rPr lang="fr-FR" sz="1800" dirty="0"/>
+              <a:t> l'application avec le </a:t>
+            </a:r>
+            <a:r>
+              <a:rPr lang="fr-FR" sz="1800" dirty="0" err="1"/>
+              <a:t>backend</a:t>
+            </a:r>
+            <a:endParaRPr lang="fr-FR" sz="1200" dirty="0"/>
+          </a:p>
+          <a:p>
+            <a:r>
+              <a:rPr lang="fr-FR" sz="1800" b="1" dirty="0"/>
+              <a:t>Instructions</a:t>
+            </a:r>
+            <a:endParaRPr lang="fr-FR" sz="1000" dirty="0"/>
+          </a:p>
+          <a:p>
+            <a:pPr lvl="0"/>
+            <a:r>
+              <a:rPr lang="fr-FR" sz="1800" dirty="0"/>
+              <a:t>Importer le module </a:t>
+            </a:r>
+            <a:r>
+              <a:rPr lang="fr-FR" sz="1600" dirty="0" err="1"/>
+              <a:t>angular-resource</a:t>
+            </a:r>
+            <a:r>
+              <a:rPr lang="fr-FR" sz="1800" dirty="0"/>
+              <a:t> :</a:t>
+            </a:r>
+            <a:endParaRPr lang="fr-FR" sz="1200" dirty="0"/>
+          </a:p>
+          <a:p>
+            <a:pPr lvl="1"/>
+            <a:r>
+              <a:rPr lang="fr-FR" dirty="0"/>
+              <a:t>Embarquer </a:t>
+            </a:r>
+            <a:r>
+              <a:rPr lang="fr-FR" sz="1600" dirty="0" err="1"/>
+              <a:t>bower_components</a:t>
+            </a:r>
+            <a:r>
+              <a:rPr lang="fr-FR" sz="1600" dirty="0"/>
+              <a:t>/</a:t>
+            </a:r>
+            <a:r>
+              <a:rPr lang="fr-FR" sz="1600" dirty="0" err="1"/>
+              <a:t>angular-resource</a:t>
+            </a:r>
+            <a:r>
+              <a:rPr lang="fr-FR" sz="1600" dirty="0"/>
+              <a:t>/angular-resource.js</a:t>
+            </a:r>
+            <a:r>
+              <a:rPr lang="fr-FR" dirty="0"/>
+              <a:t> dans l'</a:t>
+            </a:r>
+            <a:r>
+              <a:rPr lang="fr-FR" sz="1600" dirty="0"/>
+              <a:t>index.html</a:t>
+            </a:r>
+            <a:endParaRPr lang="fr-FR" sz="1200" dirty="0"/>
+          </a:p>
+          <a:p>
+            <a:pPr lvl="1"/>
+            <a:r>
+              <a:rPr lang="fr-FR" sz="1600" dirty="0"/>
+              <a:t>Injecter le module </a:t>
+            </a:r>
+            <a:r>
+              <a:rPr lang="fr-FR" sz="1400" dirty="0" err="1"/>
+              <a:t>ngResource</a:t>
+            </a:r>
+            <a:r>
+              <a:rPr lang="fr-FR" sz="1600" dirty="0"/>
+              <a:t> dans l'application</a:t>
+            </a:r>
+            <a:endParaRPr lang="fr-FR" sz="1100" dirty="0"/>
+          </a:p>
+          <a:p>
+            <a:pPr lvl="0"/>
+            <a:r>
+              <a:rPr lang="fr-FR" sz="1800" dirty="0"/>
+              <a:t>Déclarer une </a:t>
+            </a:r>
+            <a:r>
+              <a:rPr lang="fr-FR" sz="1800" dirty="0" err="1"/>
+              <a:t>resource</a:t>
+            </a:r>
+            <a:r>
+              <a:rPr lang="fr-FR" sz="1800" dirty="0"/>
+              <a:t> </a:t>
+            </a:r>
+            <a:r>
+              <a:rPr lang="fr-FR" sz="1600" dirty="0" err="1"/>
+              <a:t>Todo</a:t>
+            </a:r>
+            <a:r>
+              <a:rPr lang="fr-FR" sz="1800" dirty="0"/>
+              <a:t> dans le </a:t>
+            </a:r>
+            <a:r>
+              <a:rPr lang="fr-FR" sz="1800" dirty="0" err="1"/>
+              <a:t>controller</a:t>
+            </a:r>
+            <a:endParaRPr lang="fr-FR" sz="1200" dirty="0"/>
+          </a:p>
+          <a:p>
+            <a:pPr lvl="0"/>
+            <a:r>
+              <a:rPr lang="fr-FR" sz="1800" dirty="0"/>
+              <a:t>Créer une fonction qui charge la liste </a:t>
+            </a:r>
+            <a:r>
+              <a:rPr lang="fr-FR" sz="1800" dirty="0" err="1"/>
+              <a:t>ds</a:t>
+            </a:r>
+            <a:r>
+              <a:rPr lang="fr-FR" sz="1800" dirty="0"/>
+              <a:t> taches en utilisant la </a:t>
+            </a:r>
+            <a:r>
+              <a:rPr lang="fr-FR" sz="1800" dirty="0" err="1"/>
+              <a:t>resource</a:t>
+            </a:r>
+            <a:r>
+              <a:rPr lang="fr-FR" sz="1800" dirty="0"/>
+              <a:t> </a:t>
+            </a:r>
+            <a:r>
+              <a:rPr lang="fr-FR" sz="1600" dirty="0" err="1"/>
+              <a:t>Todo</a:t>
+            </a:r>
+            <a:endParaRPr lang="fr-FR" sz="1200" dirty="0"/>
+          </a:p>
+          <a:p>
+            <a:pPr lvl="0"/>
+            <a:r>
+              <a:rPr lang="fr-FR" sz="1800" dirty="0"/>
+              <a:t>Modifier la fonction d'ajout de tache pour poster la nouvelle tache au </a:t>
+            </a:r>
+            <a:r>
+              <a:rPr lang="fr-FR" sz="1800" dirty="0" err="1"/>
+              <a:t>backend</a:t>
+            </a:r>
+            <a:endParaRPr lang="fr-FR" sz="1200" dirty="0"/>
+          </a:p>
+          <a:p>
+            <a:pPr lvl="0"/>
+            <a:r>
+              <a:rPr lang="fr-FR" sz="1800" dirty="0"/>
+              <a:t>Modifier la fonction de suppression de tache pour supprimer la </a:t>
+            </a:r>
+            <a:r>
+              <a:rPr lang="fr-FR" sz="1800" dirty="0" smtClean="0"/>
+              <a:t>tache </a:t>
+            </a:r>
+            <a:r>
+              <a:rPr lang="fr-FR" sz="1800" dirty="0"/>
+              <a:t>du </a:t>
+            </a:r>
+            <a:r>
+              <a:rPr lang="fr-FR" sz="1800" dirty="0" err="1"/>
+              <a:t>backend</a:t>
+            </a:r>
+            <a:endParaRPr lang="fr-FR" sz="1200" dirty="0"/>
+          </a:p>
+          <a:p>
+            <a:pPr lvl="0"/>
+            <a:r>
+              <a:rPr lang="fr-FR" sz="1800" dirty="0"/>
+              <a:t>Modifier la fonction de modification d'une tache pour reporter la modification dans le </a:t>
+            </a:r>
+            <a:r>
+              <a:rPr lang="fr-FR" sz="1800" dirty="0" err="1"/>
+              <a:t>backend</a:t>
+            </a:r>
+            <a:endParaRPr lang="fr-FR" sz="1200" dirty="0"/>
+          </a:p>
+        </p:txBody>
+      </p:sp>
+      <p:sp>
+        <p:nvSpPr>
+          <p:cNvPr id="3" name="Titre 2"/>
+          <p:cNvSpPr>
+            <a:spLocks noGrp="1"/>
+          </p:cNvSpPr>
+          <p:nvPr>
+            <p:ph type="title"/>
+          </p:nvPr>
+        </p:nvSpPr>
+        <p:spPr bwMode="gray">
+          <a:xfrm>
+            <a:off x="544439" y="260648"/>
+            <a:ext cx="8045374" cy="332546"/>
+          </a:xfrm>
+        </p:spPr>
+        <p:txBody>
+          <a:bodyPr/>
+          <a:lstStyle/>
+          <a:p>
+            <a:r>
+              <a:rPr lang="fr-FR" dirty="0" smtClean="0"/>
+              <a:t>TP</a:t>
+            </a:r>
+            <a:endParaRPr lang="fr-FR" dirty="0"/>
+          </a:p>
+        </p:txBody>
+      </p:sp>
+      <p:sp>
+        <p:nvSpPr>
+          <p:cNvPr id="5" name="Espace réservé du numéro de diapositive 4"/>
+          <p:cNvSpPr>
+            <a:spLocks noGrp="1"/>
+          </p:cNvSpPr>
+          <p:nvPr>
+            <p:ph type="sldNum" sz="quarter" idx="12"/>
+          </p:nvPr>
+        </p:nvSpPr>
+        <p:spPr bwMode="gray"/>
+        <p:txBody>
+          <a:bodyPr/>
+          <a:lstStyle/>
+          <a:p>
+            <a:fld id="{AF43E6FD-AB27-4108-A2FC-346BB5F75E3F}" type="slidenum">
+              <a:rPr lang="fr-FR" smtClean="0"/>
+              <a:pPr/>
+              <a:t>10</a:t>
+            </a:fld>
+            <a:endParaRPr lang="fr-FR" dirty="0"/>
+          </a:p>
+        </p:txBody>
+      </p:sp>
+      <p:sp>
+        <p:nvSpPr>
+          <p:cNvPr id="10" name="Espace réservé du texte 9"/>
+          <p:cNvSpPr>
+            <a:spLocks noGrp="1"/>
+          </p:cNvSpPr>
+          <p:nvPr>
+            <p:ph type="body" sz="quarter" idx="13"/>
+          </p:nvPr>
+        </p:nvSpPr>
+        <p:spPr bwMode="gray"/>
+        <p:txBody>
+          <a:bodyPr/>
+          <a:lstStyle/>
+          <a:p>
+            <a:r>
+              <a:rPr lang="en-GB" cap="none" dirty="0"/>
+              <a:t>	$resource</a:t>
+            </a:r>
+          </a:p>
+        </p:txBody>
+      </p:sp>
+      <p:sp>
+        <p:nvSpPr>
+          <p:cNvPr id="6" name="Espace réservé du pied de page 5"/>
+          <p:cNvSpPr>
+            <a:spLocks noGrp="1"/>
+          </p:cNvSpPr>
+          <p:nvPr>
+            <p:ph type="ftr" sz="quarter" idx="11"/>
+          </p:nvPr>
+        </p:nvSpPr>
+        <p:spPr/>
+        <p:txBody>
+          <a:bodyPr/>
+          <a:lstStyle/>
+          <a:p>
+            <a:r>
+              <a:rPr lang="fr-FR"/>
+              <a:t>Nom de la présentation</a:t>
+            </a:r>
+            <a:endParaRPr lang="fr-FR" dirty="0"/>
+          </a:p>
+        </p:txBody>
+      </p:sp>
+    </p:spTree>
+    <p:extLst>
+      <p:ext uri="{BB962C8B-B14F-4D97-AF65-F5344CB8AC3E}">
+        <p14:creationId xmlns:p14="http://schemas.microsoft.com/office/powerpoint/2010/main" val="2210043851"/>
+      </p:ext>
+    </p:extLst>
+  </p:cSld>
+  <p:clrMapOvr>
+    <a:masterClrMapping/>
+  </p:clrMapOvr>
+</p:sld>
+</file>
+
 <file path=ppt/slides/slide2.xml><?xml version="1.0" encoding="utf-8"?>
 <p:sld xmlns:a="http://schemas.openxmlformats.org/drawingml/2006/main" xmlns:r="http://schemas.openxmlformats.org/officeDocument/2006/relationships" xmlns:p="http://schemas.openxmlformats.org/presentationml/2006/main">
   <p:cSld>
@@ -11212,7 +11699,11 @@
             </a:pPr>
             <a:r>
               <a:rPr lang="en-US" dirty="0" smtClean="0"/>
-              <a:t>How to identify the item to update</a:t>
+              <a:t>How to identify the item to </a:t>
+            </a:r>
+            <a:r>
+              <a:rPr lang="en-US" dirty="0" smtClean="0"/>
+              <a:t>update?</a:t>
             </a:r>
             <a:endParaRPr lang="en-US" dirty="0"/>
           </a:p>
@@ -11648,7 +12139,6 @@
               <a:rPr lang="en-US" dirty="0"/>
               <a:t>If an action's configuration specifies that it is cancellable, you can cancel the request related to an instance or collection (as long as it is a result of a "non-instance" call):</a:t>
             </a:r>
-            <a:endParaRPr lang="en-US" dirty="0"/>
           </a:p>
         </p:txBody>
       </p:sp>
